--- a/WindowsGame_선생님꺼/Day19/Move, 핀볼.pptx
+++ b/WindowsGame_선생님꺼/Day19/Move, 핀볼.pptx
@@ -109,6 +109,11 @@
       </a:defRPr>
     </a:lvl9pPr>
   </p:defaultTextStyle>
+  <p:extLst>
+    <p:ext uri="{EFAFB233-063F-42B5-8137-9DF3F51BA10A}">
+      <p15:sldGuideLst xmlns:p15="http://schemas.microsoft.com/office/powerpoint/2012/main"/>
+    </p:ext>
+  </p:extLst>
 </p:presentation>
 </file>
 
@@ -154,10 +159,9 @@
           </a:lstStyle>
           <a:p>
             <a:r>
-              <a:rPr lang="ko-KR" altLang="en-US" smtClean="0"/>
+              <a:rPr lang="ko-KR" altLang="en-US"/>
               <a:t>마스터 제목 스타일 편집</a:t>
             </a:r>
-            <a:endParaRPr lang="ko-KR" altLang="en-US"/>
           </a:p>
         </p:txBody>
       </p:sp>
@@ -219,10 +223,9 @@
           </a:lstStyle>
           <a:p>
             <a:r>
-              <a:rPr lang="ko-KR" altLang="en-US" smtClean="0"/>
+              <a:rPr lang="ko-KR" altLang="en-US"/>
               <a:t>클릭하여 마스터 부제목 스타일 편집</a:t>
             </a:r>
-            <a:endParaRPr lang="ko-KR" altLang="en-US"/>
           </a:p>
         </p:txBody>
       </p:sp>
@@ -243,7 +246,7 @@
           <a:p>
             <a:fld id="{DEEACA58-F299-4808-B172-8CB2C5772CFB}" type="datetimeFigureOut">
               <a:rPr lang="ko-KR" altLang="en-US" smtClean="0"/>
-              <a:t>2024-04-03</a:t>
+              <a:t>07-12(Fri)</a:t>
             </a:fld>
             <a:endParaRPr lang="ko-KR" altLang="en-US"/>
           </a:p>
@@ -337,10 +340,9 @@
           <a:lstStyle/>
           <a:p>
             <a:r>
-              <a:rPr lang="ko-KR" altLang="en-US" smtClean="0"/>
+              <a:rPr lang="ko-KR" altLang="en-US"/>
               <a:t>마스터 제목 스타일 편집</a:t>
             </a:r>
-            <a:endParaRPr lang="ko-KR" altLang="en-US"/>
           </a:p>
         </p:txBody>
       </p:sp>
@@ -361,38 +363,37 @@
           <a:p>
             <a:pPr lvl="0"/>
             <a:r>
-              <a:rPr lang="ko-KR" altLang="en-US" smtClean="0"/>
+              <a:rPr lang="ko-KR" altLang="en-US"/>
               <a:t>마스터 텍스트 스타일 편집</a:t>
             </a:r>
           </a:p>
           <a:p>
             <a:pPr lvl="1"/>
             <a:r>
-              <a:rPr lang="ko-KR" altLang="en-US" smtClean="0"/>
+              <a:rPr lang="ko-KR" altLang="en-US"/>
               <a:t>둘째 수준</a:t>
             </a:r>
           </a:p>
           <a:p>
             <a:pPr lvl="2"/>
             <a:r>
-              <a:rPr lang="ko-KR" altLang="en-US" smtClean="0"/>
+              <a:rPr lang="ko-KR" altLang="en-US"/>
               <a:t>셋째 수준</a:t>
             </a:r>
           </a:p>
           <a:p>
             <a:pPr lvl="3"/>
             <a:r>
-              <a:rPr lang="ko-KR" altLang="en-US" smtClean="0"/>
+              <a:rPr lang="ko-KR" altLang="en-US"/>
               <a:t>넷째 수준</a:t>
             </a:r>
           </a:p>
           <a:p>
             <a:pPr lvl="4"/>
             <a:r>
-              <a:rPr lang="ko-KR" altLang="en-US" smtClean="0"/>
+              <a:rPr lang="ko-KR" altLang="en-US"/>
               <a:t>다섯째 수준</a:t>
             </a:r>
-            <a:endParaRPr lang="ko-KR" altLang="en-US"/>
           </a:p>
         </p:txBody>
       </p:sp>
@@ -413,7 +414,7 @@
           <a:p>
             <a:fld id="{DEEACA58-F299-4808-B172-8CB2C5772CFB}" type="datetimeFigureOut">
               <a:rPr lang="ko-KR" altLang="en-US" smtClean="0"/>
-              <a:t>2024-04-03</a:t>
+              <a:t>07-12(Fri)</a:t>
             </a:fld>
             <a:endParaRPr lang="ko-KR" altLang="en-US"/>
           </a:p>
@@ -512,10 +513,9 @@
           <a:lstStyle/>
           <a:p>
             <a:r>
-              <a:rPr lang="ko-KR" altLang="en-US" smtClean="0"/>
+              <a:rPr lang="ko-KR" altLang="en-US"/>
               <a:t>마스터 제목 스타일 편집</a:t>
             </a:r>
-            <a:endParaRPr lang="ko-KR" altLang="en-US"/>
           </a:p>
         </p:txBody>
       </p:sp>
@@ -541,38 +541,37 @@
           <a:p>
             <a:pPr lvl="0"/>
             <a:r>
-              <a:rPr lang="ko-KR" altLang="en-US" smtClean="0"/>
+              <a:rPr lang="ko-KR" altLang="en-US"/>
               <a:t>마스터 텍스트 스타일 편집</a:t>
             </a:r>
           </a:p>
           <a:p>
             <a:pPr lvl="1"/>
             <a:r>
-              <a:rPr lang="ko-KR" altLang="en-US" smtClean="0"/>
+              <a:rPr lang="ko-KR" altLang="en-US"/>
               <a:t>둘째 수준</a:t>
             </a:r>
           </a:p>
           <a:p>
             <a:pPr lvl="2"/>
             <a:r>
-              <a:rPr lang="ko-KR" altLang="en-US" smtClean="0"/>
+              <a:rPr lang="ko-KR" altLang="en-US"/>
               <a:t>셋째 수준</a:t>
             </a:r>
           </a:p>
           <a:p>
             <a:pPr lvl="3"/>
             <a:r>
-              <a:rPr lang="ko-KR" altLang="en-US" smtClean="0"/>
+              <a:rPr lang="ko-KR" altLang="en-US"/>
               <a:t>넷째 수준</a:t>
             </a:r>
           </a:p>
           <a:p>
             <a:pPr lvl="4"/>
             <a:r>
-              <a:rPr lang="ko-KR" altLang="en-US" smtClean="0"/>
+              <a:rPr lang="ko-KR" altLang="en-US"/>
               <a:t>다섯째 수준</a:t>
             </a:r>
-            <a:endParaRPr lang="ko-KR" altLang="en-US"/>
           </a:p>
         </p:txBody>
       </p:sp>
@@ -593,7 +592,7 @@
           <a:p>
             <a:fld id="{DEEACA58-F299-4808-B172-8CB2C5772CFB}" type="datetimeFigureOut">
               <a:rPr lang="ko-KR" altLang="en-US" smtClean="0"/>
-              <a:t>2024-04-03</a:t>
+              <a:t>07-12(Fri)</a:t>
             </a:fld>
             <a:endParaRPr lang="ko-KR" altLang="en-US"/>
           </a:p>
@@ -687,10 +686,9 @@
           <a:lstStyle/>
           <a:p>
             <a:r>
-              <a:rPr lang="ko-KR" altLang="en-US" smtClean="0"/>
+              <a:rPr lang="ko-KR" altLang="en-US"/>
               <a:t>마스터 제목 스타일 편집</a:t>
             </a:r>
-            <a:endParaRPr lang="ko-KR" altLang="en-US"/>
           </a:p>
         </p:txBody>
       </p:sp>
@@ -711,38 +709,37 @@
           <a:p>
             <a:pPr lvl="0"/>
             <a:r>
-              <a:rPr lang="ko-KR" altLang="en-US" smtClean="0"/>
+              <a:rPr lang="ko-KR" altLang="en-US"/>
               <a:t>마스터 텍스트 스타일 편집</a:t>
             </a:r>
           </a:p>
           <a:p>
             <a:pPr lvl="1"/>
             <a:r>
-              <a:rPr lang="ko-KR" altLang="en-US" smtClean="0"/>
+              <a:rPr lang="ko-KR" altLang="en-US"/>
               <a:t>둘째 수준</a:t>
             </a:r>
           </a:p>
           <a:p>
             <a:pPr lvl="2"/>
             <a:r>
-              <a:rPr lang="ko-KR" altLang="en-US" smtClean="0"/>
+              <a:rPr lang="ko-KR" altLang="en-US"/>
               <a:t>셋째 수준</a:t>
             </a:r>
           </a:p>
           <a:p>
             <a:pPr lvl="3"/>
             <a:r>
-              <a:rPr lang="ko-KR" altLang="en-US" smtClean="0"/>
+              <a:rPr lang="ko-KR" altLang="en-US"/>
               <a:t>넷째 수준</a:t>
             </a:r>
           </a:p>
           <a:p>
             <a:pPr lvl="4"/>
             <a:r>
-              <a:rPr lang="ko-KR" altLang="en-US" smtClean="0"/>
+              <a:rPr lang="ko-KR" altLang="en-US"/>
               <a:t>다섯째 수준</a:t>
             </a:r>
-            <a:endParaRPr lang="ko-KR" altLang="en-US"/>
           </a:p>
         </p:txBody>
       </p:sp>
@@ -763,7 +760,7 @@
           <a:p>
             <a:fld id="{DEEACA58-F299-4808-B172-8CB2C5772CFB}" type="datetimeFigureOut">
               <a:rPr lang="ko-KR" altLang="en-US" smtClean="0"/>
-              <a:t>2024-04-03</a:t>
+              <a:t>07-12(Fri)</a:t>
             </a:fld>
             <a:endParaRPr lang="ko-KR" altLang="en-US"/>
           </a:p>
@@ -866,10 +863,9 @@
           </a:lstStyle>
           <a:p>
             <a:r>
-              <a:rPr lang="ko-KR" altLang="en-US" smtClean="0"/>
+              <a:rPr lang="ko-KR" altLang="en-US"/>
               <a:t>마스터 제목 스타일 편집</a:t>
             </a:r>
-            <a:endParaRPr lang="ko-KR" altLang="en-US"/>
           </a:p>
         </p:txBody>
       </p:sp>
@@ -986,7 +982,7 @@
           <a:p>
             <a:pPr lvl="0"/>
             <a:r>
-              <a:rPr lang="ko-KR" altLang="en-US" smtClean="0"/>
+              <a:rPr lang="ko-KR" altLang="en-US"/>
               <a:t>마스터 텍스트 스타일 편집</a:t>
             </a:r>
           </a:p>
@@ -1009,7 +1005,7 @@
           <a:p>
             <a:fld id="{DEEACA58-F299-4808-B172-8CB2C5772CFB}" type="datetimeFigureOut">
               <a:rPr lang="ko-KR" altLang="en-US" smtClean="0"/>
-              <a:t>2024-04-03</a:t>
+              <a:t>07-12(Fri)</a:t>
             </a:fld>
             <a:endParaRPr lang="ko-KR" altLang="en-US"/>
           </a:p>
@@ -1103,10 +1099,9 @@
           <a:lstStyle/>
           <a:p>
             <a:r>
-              <a:rPr lang="ko-KR" altLang="en-US" smtClean="0"/>
+              <a:rPr lang="ko-KR" altLang="en-US"/>
               <a:t>마스터 제목 스타일 편집</a:t>
             </a:r>
-            <a:endParaRPr lang="ko-KR" altLang="en-US"/>
           </a:p>
         </p:txBody>
       </p:sp>
@@ -1132,38 +1127,37 @@
           <a:p>
             <a:pPr lvl="0"/>
             <a:r>
-              <a:rPr lang="ko-KR" altLang="en-US" smtClean="0"/>
+              <a:rPr lang="ko-KR" altLang="en-US"/>
               <a:t>마스터 텍스트 스타일 편집</a:t>
             </a:r>
           </a:p>
           <a:p>
             <a:pPr lvl="1"/>
             <a:r>
-              <a:rPr lang="ko-KR" altLang="en-US" smtClean="0"/>
+              <a:rPr lang="ko-KR" altLang="en-US"/>
               <a:t>둘째 수준</a:t>
             </a:r>
           </a:p>
           <a:p>
             <a:pPr lvl="2"/>
             <a:r>
-              <a:rPr lang="ko-KR" altLang="en-US" smtClean="0"/>
+              <a:rPr lang="ko-KR" altLang="en-US"/>
               <a:t>셋째 수준</a:t>
             </a:r>
           </a:p>
           <a:p>
             <a:pPr lvl="3"/>
             <a:r>
-              <a:rPr lang="ko-KR" altLang="en-US" smtClean="0"/>
+              <a:rPr lang="ko-KR" altLang="en-US"/>
               <a:t>넷째 수준</a:t>
             </a:r>
           </a:p>
           <a:p>
             <a:pPr lvl="4"/>
             <a:r>
-              <a:rPr lang="ko-KR" altLang="en-US" smtClean="0"/>
+              <a:rPr lang="ko-KR" altLang="en-US"/>
               <a:t>다섯째 수준</a:t>
             </a:r>
-            <a:endParaRPr lang="ko-KR" altLang="en-US"/>
           </a:p>
         </p:txBody>
       </p:sp>
@@ -1189,38 +1183,37 @@
           <a:p>
             <a:pPr lvl="0"/>
             <a:r>
-              <a:rPr lang="ko-KR" altLang="en-US" smtClean="0"/>
+              <a:rPr lang="ko-KR" altLang="en-US"/>
               <a:t>마스터 텍스트 스타일 편집</a:t>
             </a:r>
           </a:p>
           <a:p>
             <a:pPr lvl="1"/>
             <a:r>
-              <a:rPr lang="ko-KR" altLang="en-US" smtClean="0"/>
+              <a:rPr lang="ko-KR" altLang="en-US"/>
               <a:t>둘째 수준</a:t>
             </a:r>
           </a:p>
           <a:p>
             <a:pPr lvl="2"/>
             <a:r>
-              <a:rPr lang="ko-KR" altLang="en-US" smtClean="0"/>
+              <a:rPr lang="ko-KR" altLang="en-US"/>
               <a:t>셋째 수준</a:t>
             </a:r>
           </a:p>
           <a:p>
             <a:pPr lvl="3"/>
             <a:r>
-              <a:rPr lang="ko-KR" altLang="en-US" smtClean="0"/>
+              <a:rPr lang="ko-KR" altLang="en-US"/>
               <a:t>넷째 수준</a:t>
             </a:r>
           </a:p>
           <a:p>
             <a:pPr lvl="4"/>
             <a:r>
-              <a:rPr lang="ko-KR" altLang="en-US" smtClean="0"/>
+              <a:rPr lang="ko-KR" altLang="en-US"/>
               <a:t>다섯째 수준</a:t>
             </a:r>
-            <a:endParaRPr lang="ko-KR" altLang="en-US"/>
           </a:p>
         </p:txBody>
       </p:sp>
@@ -1241,7 +1234,7 @@
           <a:p>
             <a:fld id="{DEEACA58-F299-4808-B172-8CB2C5772CFB}" type="datetimeFigureOut">
               <a:rPr lang="ko-KR" altLang="en-US" smtClean="0"/>
-              <a:t>2024-04-03</a:t>
+              <a:t>07-12(Fri)</a:t>
             </a:fld>
             <a:endParaRPr lang="ko-KR" altLang="en-US"/>
           </a:p>
@@ -1340,10 +1333,9 @@
           <a:lstStyle/>
           <a:p>
             <a:r>
-              <a:rPr lang="ko-KR" altLang="en-US" smtClean="0"/>
+              <a:rPr lang="ko-KR" altLang="en-US"/>
               <a:t>마스터 제목 스타일 편집</a:t>
             </a:r>
-            <a:endParaRPr lang="ko-KR" altLang="en-US"/>
           </a:p>
         </p:txBody>
       </p:sp>
@@ -1406,7 +1398,7 @@
           <a:p>
             <a:pPr lvl="0"/>
             <a:r>
-              <a:rPr lang="ko-KR" altLang="en-US" smtClean="0"/>
+              <a:rPr lang="ko-KR" altLang="en-US"/>
               <a:t>마스터 텍스트 스타일 편집</a:t>
             </a:r>
           </a:p>
@@ -1434,38 +1426,37 @@
           <a:p>
             <a:pPr lvl="0"/>
             <a:r>
-              <a:rPr lang="ko-KR" altLang="en-US" smtClean="0"/>
+              <a:rPr lang="ko-KR" altLang="en-US"/>
               <a:t>마스터 텍스트 스타일 편집</a:t>
             </a:r>
           </a:p>
           <a:p>
             <a:pPr lvl="1"/>
             <a:r>
-              <a:rPr lang="ko-KR" altLang="en-US" smtClean="0"/>
+              <a:rPr lang="ko-KR" altLang="en-US"/>
               <a:t>둘째 수준</a:t>
             </a:r>
           </a:p>
           <a:p>
             <a:pPr lvl="2"/>
             <a:r>
-              <a:rPr lang="ko-KR" altLang="en-US" smtClean="0"/>
+              <a:rPr lang="ko-KR" altLang="en-US"/>
               <a:t>셋째 수준</a:t>
             </a:r>
           </a:p>
           <a:p>
             <a:pPr lvl="3"/>
             <a:r>
-              <a:rPr lang="ko-KR" altLang="en-US" smtClean="0"/>
+              <a:rPr lang="ko-KR" altLang="en-US"/>
               <a:t>넷째 수준</a:t>
             </a:r>
           </a:p>
           <a:p>
             <a:pPr lvl="4"/>
             <a:r>
-              <a:rPr lang="ko-KR" altLang="en-US" smtClean="0"/>
+              <a:rPr lang="ko-KR" altLang="en-US"/>
               <a:t>다섯째 수준</a:t>
             </a:r>
-            <a:endParaRPr lang="ko-KR" altLang="en-US"/>
           </a:p>
         </p:txBody>
       </p:sp>
@@ -1528,7 +1519,7 @@
           <a:p>
             <a:pPr lvl="0"/>
             <a:r>
-              <a:rPr lang="ko-KR" altLang="en-US" smtClean="0"/>
+              <a:rPr lang="ko-KR" altLang="en-US"/>
               <a:t>마스터 텍스트 스타일 편집</a:t>
             </a:r>
           </a:p>
@@ -1556,38 +1547,37 @@
           <a:p>
             <a:pPr lvl="0"/>
             <a:r>
-              <a:rPr lang="ko-KR" altLang="en-US" smtClean="0"/>
+              <a:rPr lang="ko-KR" altLang="en-US"/>
               <a:t>마스터 텍스트 스타일 편집</a:t>
             </a:r>
           </a:p>
           <a:p>
             <a:pPr lvl="1"/>
             <a:r>
-              <a:rPr lang="ko-KR" altLang="en-US" smtClean="0"/>
+              <a:rPr lang="ko-KR" altLang="en-US"/>
               <a:t>둘째 수준</a:t>
             </a:r>
           </a:p>
           <a:p>
             <a:pPr lvl="2"/>
             <a:r>
-              <a:rPr lang="ko-KR" altLang="en-US" smtClean="0"/>
+              <a:rPr lang="ko-KR" altLang="en-US"/>
               <a:t>셋째 수준</a:t>
             </a:r>
           </a:p>
           <a:p>
             <a:pPr lvl="3"/>
             <a:r>
-              <a:rPr lang="ko-KR" altLang="en-US" smtClean="0"/>
+              <a:rPr lang="ko-KR" altLang="en-US"/>
               <a:t>넷째 수준</a:t>
             </a:r>
           </a:p>
           <a:p>
             <a:pPr lvl="4"/>
             <a:r>
-              <a:rPr lang="ko-KR" altLang="en-US" smtClean="0"/>
+              <a:rPr lang="ko-KR" altLang="en-US"/>
               <a:t>다섯째 수준</a:t>
             </a:r>
-            <a:endParaRPr lang="ko-KR" altLang="en-US"/>
           </a:p>
         </p:txBody>
       </p:sp>
@@ -1608,7 +1598,7 @@
           <a:p>
             <a:fld id="{DEEACA58-F299-4808-B172-8CB2C5772CFB}" type="datetimeFigureOut">
               <a:rPr lang="ko-KR" altLang="en-US" smtClean="0"/>
-              <a:t>2024-04-03</a:t>
+              <a:t>07-12(Fri)</a:t>
             </a:fld>
             <a:endParaRPr lang="ko-KR" altLang="en-US"/>
           </a:p>
@@ -1702,10 +1692,9 @@
           <a:lstStyle/>
           <a:p>
             <a:r>
-              <a:rPr lang="ko-KR" altLang="en-US" smtClean="0"/>
+              <a:rPr lang="ko-KR" altLang="en-US"/>
               <a:t>마스터 제목 스타일 편집</a:t>
             </a:r>
-            <a:endParaRPr lang="ko-KR" altLang="en-US"/>
           </a:p>
         </p:txBody>
       </p:sp>
@@ -1726,7 +1715,7 @@
           <a:p>
             <a:fld id="{DEEACA58-F299-4808-B172-8CB2C5772CFB}" type="datetimeFigureOut">
               <a:rPr lang="ko-KR" altLang="en-US" smtClean="0"/>
-              <a:t>2024-04-03</a:t>
+              <a:t>07-12(Fri)</a:t>
             </a:fld>
             <a:endParaRPr lang="ko-KR" altLang="en-US"/>
           </a:p>
@@ -1821,7 +1810,7 @@
           <a:p>
             <a:fld id="{DEEACA58-F299-4808-B172-8CB2C5772CFB}" type="datetimeFigureOut">
               <a:rPr lang="ko-KR" altLang="en-US" smtClean="0"/>
-              <a:t>2024-04-03</a:t>
+              <a:t>07-12(Fri)</a:t>
             </a:fld>
             <a:endParaRPr lang="ko-KR" altLang="en-US"/>
           </a:p>
@@ -1924,10 +1913,9 @@
           </a:lstStyle>
           <a:p>
             <a:r>
-              <a:rPr lang="ko-KR" altLang="en-US" smtClean="0"/>
+              <a:rPr lang="ko-KR" altLang="en-US"/>
               <a:t>마스터 제목 스타일 편집</a:t>
             </a:r>
-            <a:endParaRPr lang="ko-KR" altLang="en-US"/>
           </a:p>
         </p:txBody>
       </p:sp>
@@ -1981,38 +1969,37 @@
           <a:p>
             <a:pPr lvl="0"/>
             <a:r>
-              <a:rPr lang="ko-KR" altLang="en-US" smtClean="0"/>
+              <a:rPr lang="ko-KR" altLang="en-US"/>
               <a:t>마스터 텍스트 스타일 편집</a:t>
             </a:r>
           </a:p>
           <a:p>
             <a:pPr lvl="1"/>
             <a:r>
-              <a:rPr lang="ko-KR" altLang="en-US" smtClean="0"/>
+              <a:rPr lang="ko-KR" altLang="en-US"/>
               <a:t>둘째 수준</a:t>
             </a:r>
           </a:p>
           <a:p>
             <a:pPr lvl="2"/>
             <a:r>
-              <a:rPr lang="ko-KR" altLang="en-US" smtClean="0"/>
+              <a:rPr lang="ko-KR" altLang="en-US"/>
               <a:t>셋째 수준</a:t>
             </a:r>
           </a:p>
           <a:p>
             <a:pPr lvl="3"/>
             <a:r>
-              <a:rPr lang="ko-KR" altLang="en-US" smtClean="0"/>
+              <a:rPr lang="ko-KR" altLang="en-US"/>
               <a:t>넷째 수준</a:t>
             </a:r>
           </a:p>
           <a:p>
             <a:pPr lvl="4"/>
             <a:r>
-              <a:rPr lang="ko-KR" altLang="en-US" smtClean="0"/>
+              <a:rPr lang="ko-KR" altLang="en-US"/>
               <a:t>다섯째 수준</a:t>
             </a:r>
-            <a:endParaRPr lang="ko-KR" altLang="en-US"/>
           </a:p>
         </p:txBody>
       </p:sp>
@@ -2075,7 +2062,7 @@
           <a:p>
             <a:pPr lvl="0"/>
             <a:r>
-              <a:rPr lang="ko-KR" altLang="en-US" smtClean="0"/>
+              <a:rPr lang="ko-KR" altLang="en-US"/>
               <a:t>마스터 텍스트 스타일 편집</a:t>
             </a:r>
           </a:p>
@@ -2098,7 +2085,7 @@
           <a:p>
             <a:fld id="{DEEACA58-F299-4808-B172-8CB2C5772CFB}" type="datetimeFigureOut">
               <a:rPr lang="ko-KR" altLang="en-US" smtClean="0"/>
-              <a:t>2024-04-03</a:t>
+              <a:t>07-12(Fri)</a:t>
             </a:fld>
             <a:endParaRPr lang="ko-KR" altLang="en-US"/>
           </a:p>
@@ -2201,10 +2188,9 @@
           </a:lstStyle>
           <a:p>
             <a:r>
-              <a:rPr lang="ko-KR" altLang="en-US" smtClean="0"/>
+              <a:rPr lang="ko-KR" altLang="en-US"/>
               <a:t>마스터 제목 스타일 편집</a:t>
             </a:r>
-            <a:endParaRPr lang="ko-KR" altLang="en-US"/>
           </a:p>
         </p:txBody>
       </p:sp>
@@ -2328,7 +2314,7 @@
           <a:p>
             <a:pPr lvl="0"/>
             <a:r>
-              <a:rPr lang="ko-KR" altLang="en-US" smtClean="0"/>
+              <a:rPr lang="ko-KR" altLang="en-US"/>
               <a:t>마스터 텍스트 스타일 편집</a:t>
             </a:r>
           </a:p>
@@ -2351,7 +2337,7 @@
           <a:p>
             <a:fld id="{DEEACA58-F299-4808-B172-8CB2C5772CFB}" type="datetimeFigureOut">
               <a:rPr lang="ko-KR" altLang="en-US" smtClean="0"/>
-              <a:t>2024-04-03</a:t>
+              <a:t>07-12(Fri)</a:t>
             </a:fld>
             <a:endParaRPr lang="ko-KR" altLang="en-US"/>
           </a:p>
@@ -2460,10 +2446,9 @@
           <a:lstStyle/>
           <a:p>
             <a:r>
-              <a:rPr lang="ko-KR" altLang="en-US" smtClean="0"/>
+              <a:rPr lang="ko-KR" altLang="en-US"/>
               <a:t>마스터 제목 스타일 편집</a:t>
             </a:r>
-            <a:endParaRPr lang="ko-KR" altLang="en-US"/>
           </a:p>
         </p:txBody>
       </p:sp>
@@ -2494,38 +2479,37 @@
           <a:p>
             <a:pPr lvl="0"/>
             <a:r>
-              <a:rPr lang="ko-KR" altLang="en-US" smtClean="0"/>
+              <a:rPr lang="ko-KR" altLang="en-US"/>
               <a:t>마스터 텍스트 스타일 편집</a:t>
             </a:r>
           </a:p>
           <a:p>
             <a:pPr lvl="1"/>
             <a:r>
-              <a:rPr lang="ko-KR" altLang="en-US" smtClean="0"/>
+              <a:rPr lang="ko-KR" altLang="en-US"/>
               <a:t>둘째 수준</a:t>
             </a:r>
           </a:p>
           <a:p>
             <a:pPr lvl="2"/>
             <a:r>
-              <a:rPr lang="ko-KR" altLang="en-US" smtClean="0"/>
+              <a:rPr lang="ko-KR" altLang="en-US"/>
               <a:t>셋째 수준</a:t>
             </a:r>
           </a:p>
           <a:p>
             <a:pPr lvl="3"/>
             <a:r>
-              <a:rPr lang="ko-KR" altLang="en-US" smtClean="0"/>
+              <a:rPr lang="ko-KR" altLang="en-US"/>
               <a:t>넷째 수준</a:t>
             </a:r>
           </a:p>
           <a:p>
             <a:pPr lvl="4"/>
             <a:r>
-              <a:rPr lang="ko-KR" altLang="en-US" smtClean="0"/>
+              <a:rPr lang="ko-KR" altLang="en-US"/>
               <a:t>다섯째 수준</a:t>
             </a:r>
-            <a:endParaRPr lang="ko-KR" altLang="en-US"/>
           </a:p>
         </p:txBody>
       </p:sp>
@@ -2564,7 +2548,7 @@
           <a:p>
             <a:fld id="{DEEACA58-F299-4808-B172-8CB2C5772CFB}" type="datetimeFigureOut">
               <a:rPr lang="ko-KR" altLang="en-US" smtClean="0"/>
-              <a:t>2024-04-03</a:t>
+              <a:t>07-12(Fri)</a:t>
             </a:fld>
             <a:endParaRPr lang="ko-KR" altLang="en-US"/>
           </a:p>
@@ -2992,7 +2976,7 @@
           <a:lstStyle/>
           <a:p>
             <a:r>
-              <a:rPr lang="en-US" altLang="ko-KR" dirty="0" smtClean="0">
+              <a:rPr lang="en-US" altLang="ko-KR" dirty="0">
                 <a:latin typeface="에스코어 드림 3 Light" panose="020B0303030302020204" pitchFamily="34" charset="-127"/>
                 <a:ea typeface="에스코어 드림 3 Light" panose="020B0303030302020204" pitchFamily="34" charset="-127"/>
               </a:rPr>
@@ -3028,14 +3012,14 @@
           <a:lstStyle/>
           <a:p>
             <a:r>
-              <a:rPr lang="ko-KR" altLang="en-US" dirty="0" smtClean="0">
+              <a:rPr lang="ko-KR" altLang="en-US" dirty="0">
                 <a:latin typeface="에스코어 드림 3 Light" panose="020B0303030302020204" pitchFamily="34" charset="-127"/>
                 <a:ea typeface="에스코어 드림 3 Light" panose="020B0303030302020204" pitchFamily="34" charset="-127"/>
               </a:rPr>
               <a:t>대부분의 엔진에 이미 내장 되어있습니다</a:t>
             </a:r>
             <a:r>
-              <a:rPr lang="en-US" altLang="ko-KR" dirty="0" smtClean="0">
+              <a:rPr lang="en-US" altLang="ko-KR" dirty="0">
                 <a:latin typeface="에스코어 드림 3 Light" panose="020B0303030302020204" pitchFamily="34" charset="-127"/>
                 <a:ea typeface="에스코어 드림 3 Light" panose="020B0303030302020204" pitchFamily="34" charset="-127"/>
               </a:rPr>
@@ -3067,21 +3051,21 @@
           <a:lstStyle/>
           <a:p>
             <a:r>
-              <a:rPr lang="ko-KR" altLang="en-US" dirty="0" smtClean="0">
+              <a:rPr lang="ko-KR" altLang="en-US" dirty="0">
                 <a:latin typeface="에스코어 드림 3 Light" panose="020B0303030302020204" pitchFamily="34" charset="-127"/>
                 <a:ea typeface="에스코어 드림 3 Light" panose="020B0303030302020204" pitchFamily="34" charset="-127"/>
               </a:rPr>
               <a:t>씬 </a:t>
             </a:r>
             <a:r>
-              <a:rPr lang="ko-KR" altLang="en-US" dirty="0" err="1" smtClean="0">
+              <a:rPr lang="ko-KR" altLang="en-US" dirty="0" err="1">
                 <a:latin typeface="에스코어 드림 3 Light" panose="020B0303030302020204" pitchFamily="34" charset="-127"/>
                 <a:ea typeface="에스코어 드림 3 Light" panose="020B0303030302020204" pitchFamily="34" charset="-127"/>
               </a:rPr>
               <a:t>매니저란</a:t>
             </a:r>
             <a:r>
-              <a:rPr lang="en-US" altLang="ko-KR" dirty="0" smtClean="0">
+              <a:rPr lang="en-US" altLang="ko-KR" dirty="0">
                 <a:latin typeface="에스코어 드림 3 Light" panose="020B0303030302020204" pitchFamily="34" charset="-127"/>
                 <a:ea typeface="에스코어 드림 3 Light" panose="020B0303030302020204" pitchFamily="34" charset="-127"/>
               </a:rPr>
@@ -3096,77 +3080,77 @@
           </a:p>
           <a:p>
             <a:r>
-              <a:rPr lang="en-US" altLang="ko-KR" dirty="0" smtClean="0">
+              <a:rPr lang="en-US" altLang="ko-KR" dirty="0">
                 <a:latin typeface="에스코어 드림 3 Light" panose="020B0303030302020204" pitchFamily="34" charset="-127"/>
                 <a:ea typeface="에스코어 드림 3 Light" panose="020B0303030302020204" pitchFamily="34" charset="-127"/>
               </a:rPr>
               <a:t> - </a:t>
             </a:r>
             <a:r>
-              <a:rPr lang="ko-KR" altLang="en-US" dirty="0" smtClean="0">
+              <a:rPr lang="ko-KR" altLang="en-US" dirty="0">
                 <a:latin typeface="에스코어 드림 3 Light" panose="020B0303030302020204" pitchFamily="34" charset="-127"/>
                 <a:ea typeface="에스코어 드림 3 Light" panose="020B0303030302020204" pitchFamily="34" charset="-127"/>
               </a:rPr>
               <a:t>게임은 여러가지 </a:t>
             </a:r>
             <a:r>
-              <a:rPr lang="ko-KR" altLang="en-US" dirty="0" err="1" smtClean="0">
+              <a:rPr lang="ko-KR" altLang="en-US" dirty="0" err="1">
                 <a:latin typeface="에스코어 드림 3 Light" panose="020B0303030302020204" pitchFamily="34" charset="-127"/>
                 <a:ea typeface="에스코어 드림 3 Light" panose="020B0303030302020204" pitchFamily="34" charset="-127"/>
               </a:rPr>
               <a:t>씬으로</a:t>
             </a:r>
             <a:r>
-              <a:rPr lang="ko-KR" altLang="en-US" dirty="0" smtClean="0">
+              <a:rPr lang="ko-KR" altLang="en-US" dirty="0">
                 <a:latin typeface="에스코어 드림 3 Light" panose="020B0303030302020204" pitchFamily="34" charset="-127"/>
                 <a:ea typeface="에스코어 드림 3 Light" panose="020B0303030302020204" pitchFamily="34" charset="-127"/>
               </a:rPr>
               <a:t> 구성되어있습니다</a:t>
             </a:r>
             <a:r>
-              <a:rPr lang="en-US" altLang="ko-KR" dirty="0" smtClean="0">
+              <a:rPr lang="en-US" altLang="ko-KR" dirty="0">
                 <a:latin typeface="에스코어 드림 3 Light" panose="020B0303030302020204" pitchFamily="34" charset="-127"/>
                 <a:ea typeface="에스코어 드림 3 Light" panose="020B0303030302020204" pitchFamily="34" charset="-127"/>
               </a:rPr>
               <a:t>.  (</a:t>
             </a:r>
             <a:r>
-              <a:rPr lang="ko-KR" altLang="en-US" dirty="0" err="1" smtClean="0">
+              <a:rPr lang="ko-KR" altLang="en-US" dirty="0" err="1">
                 <a:latin typeface="에스코어 드림 3 Light" panose="020B0303030302020204" pitchFamily="34" charset="-127"/>
                 <a:ea typeface="에스코어 드림 3 Light" panose="020B0303030302020204" pitchFamily="34" charset="-127"/>
               </a:rPr>
               <a:t>인트로</a:t>
             </a:r>
             <a:r>
-              <a:rPr lang="ko-KR" altLang="en-US" dirty="0" smtClean="0">
+              <a:rPr lang="ko-KR" altLang="en-US" dirty="0">
                 <a:latin typeface="에스코어 드림 3 Light" panose="020B0303030302020204" pitchFamily="34" charset="-127"/>
                 <a:ea typeface="에스코어 드림 3 Light" panose="020B0303030302020204" pitchFamily="34" charset="-127"/>
               </a:rPr>
               <a:t> 씬</a:t>
             </a:r>
             <a:r>
-              <a:rPr lang="en-US" altLang="ko-KR" dirty="0" smtClean="0">
+              <a:rPr lang="en-US" altLang="ko-KR" dirty="0">
                 <a:latin typeface="에스코어 드림 3 Light" panose="020B0303030302020204" pitchFamily="34" charset="-127"/>
                 <a:ea typeface="에스코어 드림 3 Light" panose="020B0303030302020204" pitchFamily="34" charset="-127"/>
               </a:rPr>
               <a:t>, </a:t>
             </a:r>
             <a:r>
-              <a:rPr lang="ko-KR" altLang="en-US" dirty="0" err="1" smtClean="0">
+              <a:rPr lang="ko-KR" altLang="en-US" dirty="0" err="1">
                 <a:latin typeface="에스코어 드림 3 Light" panose="020B0303030302020204" pitchFamily="34" charset="-127"/>
                 <a:ea typeface="에스코어 드림 3 Light" panose="020B0303030302020204" pitchFamily="34" charset="-127"/>
               </a:rPr>
               <a:t>인게임</a:t>
             </a:r>
             <a:r>
-              <a:rPr lang="ko-KR" altLang="en-US" dirty="0" smtClean="0">
+              <a:rPr lang="ko-KR" altLang="en-US" dirty="0">
                 <a:latin typeface="에스코어 드림 3 Light" panose="020B0303030302020204" pitchFamily="34" charset="-127"/>
                 <a:ea typeface="에스코어 드림 3 Light" panose="020B0303030302020204" pitchFamily="34" charset="-127"/>
               </a:rPr>
               <a:t> 씬 등</a:t>
             </a:r>
             <a:r>
-              <a:rPr lang="en-US" altLang="ko-KR" dirty="0" smtClean="0">
+              <a:rPr lang="en-US" altLang="ko-KR" dirty="0">
                 <a:latin typeface="에스코어 드림 3 Light" panose="020B0303030302020204" pitchFamily="34" charset="-127"/>
                 <a:ea typeface="에스코어 드림 3 Light" panose="020B0303030302020204" pitchFamily="34" charset="-127"/>
               </a:rPr>
@@ -3175,42 +3159,42 @@
           </a:p>
           <a:p>
             <a:r>
-              <a:rPr lang="en-US" altLang="ko-KR" dirty="0" smtClean="0">
+              <a:rPr lang="en-US" altLang="ko-KR" dirty="0">
                 <a:latin typeface="에스코어 드림 3 Light" panose="020B0303030302020204" pitchFamily="34" charset="-127"/>
                 <a:ea typeface="에스코어 드림 3 Light" panose="020B0303030302020204" pitchFamily="34" charset="-127"/>
               </a:rPr>
               <a:t>(</a:t>
             </a:r>
             <a:r>
-              <a:rPr lang="ko-KR" altLang="en-US" dirty="0" smtClean="0">
+              <a:rPr lang="ko-KR" altLang="en-US" dirty="0">
                 <a:latin typeface="에스코어 드림 3 Light" panose="020B0303030302020204" pitchFamily="34" charset="-127"/>
                 <a:ea typeface="에스코어 드림 3 Light" panose="020B0303030302020204" pitchFamily="34" charset="-127"/>
               </a:rPr>
               <a:t>유저에게 보이는 씬 말고도 </a:t>
             </a:r>
             <a:r>
-              <a:rPr lang="en-US" altLang="ko-KR" dirty="0" smtClean="0">
+              <a:rPr lang="en-US" altLang="ko-KR" dirty="0">
                 <a:latin typeface="에스코어 드림 3 Light" panose="020B0303030302020204" pitchFamily="34" charset="-127"/>
                 <a:ea typeface="에스코어 드림 3 Light" panose="020B0303030302020204" pitchFamily="34" charset="-127"/>
               </a:rPr>
               <a:t>, </a:t>
             </a:r>
             <a:r>
-              <a:rPr lang="ko-KR" altLang="en-US" dirty="0" err="1" smtClean="0">
+              <a:rPr lang="ko-KR" altLang="en-US" dirty="0" err="1">
                 <a:latin typeface="에스코어 드림 3 Light" panose="020B0303030302020204" pitchFamily="34" charset="-127"/>
                 <a:ea typeface="에스코어 드림 3 Light" panose="020B0303030302020204" pitchFamily="34" charset="-127"/>
               </a:rPr>
               <a:t>개발적으로</a:t>
             </a:r>
             <a:r>
-              <a:rPr lang="ko-KR" altLang="en-US" dirty="0" smtClean="0">
+              <a:rPr lang="ko-KR" altLang="en-US" dirty="0">
                 <a:latin typeface="에스코어 드림 3 Light" panose="020B0303030302020204" pitchFamily="34" charset="-127"/>
                 <a:ea typeface="에스코어 드림 3 Light" panose="020B0303030302020204" pitchFamily="34" charset="-127"/>
               </a:rPr>
               <a:t> 임의로 만들어둔 씬</a:t>
             </a:r>
             <a:r>
-              <a:rPr lang="en-US" altLang="ko-KR" dirty="0" smtClean="0">
+              <a:rPr lang="en-US" altLang="ko-KR" dirty="0">
                 <a:latin typeface="에스코어 드림 3 Light" panose="020B0303030302020204" pitchFamily="34" charset="-127"/>
                 <a:ea typeface="에스코어 드림 3 Light" panose="020B0303030302020204" pitchFamily="34" charset="-127"/>
               </a:rPr>
@@ -3320,7 +3304,7 @@
           <a:lstStyle/>
           <a:p>
             <a:r>
-              <a:rPr lang="en-US" altLang="ko-KR" dirty="0" smtClean="0">
+              <a:rPr lang="en-US" altLang="ko-KR" dirty="0">
                 <a:latin typeface="에스코어 드림 3 Light" panose="020B0303030302020204" pitchFamily="34" charset="-127"/>
                 <a:ea typeface="에스코어 드림 3 Light" panose="020B0303030302020204" pitchFamily="34" charset="-127"/>
               </a:rPr>
@@ -3356,20 +3340,20 @@
           <a:lstStyle/>
           <a:p>
             <a:r>
-              <a:rPr lang="en-US" altLang="ko-KR" dirty="0" smtClean="0">
+              <a:rPr lang="en-US" altLang="ko-KR" dirty="0">
                 <a:latin typeface="에스코어 드림 3 Light" panose="020B0303030302020204" pitchFamily="34" charset="-127"/>
                 <a:ea typeface="에스코어 드림 3 Light" panose="020B0303030302020204" pitchFamily="34" charset="-127"/>
               </a:rPr>
               <a:t>Scene </a:t>
             </a:r>
             <a:r>
-              <a:rPr lang="ko-KR" altLang="en-US" dirty="0" smtClean="0">
+              <a:rPr lang="ko-KR" altLang="en-US" dirty="0">
                 <a:latin typeface="에스코어 드림 3 Light" panose="020B0303030302020204" pitchFamily="34" charset="-127"/>
                 <a:ea typeface="에스코어 드림 3 Light" panose="020B0303030302020204" pitchFamily="34" charset="-127"/>
               </a:rPr>
               <a:t>객체</a:t>
             </a:r>
-            <a:endParaRPr lang="en-US" altLang="ko-KR" dirty="0" smtClean="0">
+            <a:endParaRPr lang="en-US" altLang="ko-KR" dirty="0">
               <a:latin typeface="에스코어 드림 3 Light" panose="020B0303030302020204" pitchFamily="34" charset="-127"/>
               <a:ea typeface="에스코어 드림 3 Light" panose="020B0303030302020204" pitchFamily="34" charset="-127"/>
             </a:endParaRPr>
@@ -3399,75 +3383,25 @@
           <a:lstStyle/>
           <a:p>
             <a:r>
-              <a:rPr lang="en-US" altLang="ko-KR" dirty="0" smtClean="0">
+              <a:rPr lang="en-US" altLang="ko-KR" dirty="0">
                 <a:latin typeface="에스코어 드림 3 Light" panose="020B0303030302020204" pitchFamily="34" charset="-127"/>
                 <a:ea typeface="에스코어 드림 3 Light" panose="020B0303030302020204" pitchFamily="34" charset="-127"/>
               </a:rPr>
               <a:t>Scene</a:t>
             </a:r>
             <a:r>
-              <a:rPr lang="ko-KR" altLang="en-US" dirty="0" smtClean="0">
+              <a:rPr lang="ko-KR" altLang="en-US" dirty="0">
                 <a:latin typeface="에스코어 드림 3 Light" panose="020B0303030302020204" pitchFamily="34" charset="-127"/>
                 <a:ea typeface="에스코어 드림 3 Light" panose="020B0303030302020204" pitchFamily="34" charset="-127"/>
               </a:rPr>
               <a:t>객체를 통해서 </a:t>
             </a:r>
-            <a:endParaRPr lang="en-US" altLang="ko-KR" dirty="0" smtClean="0">
-              <a:latin typeface="에스코어 드림 3 Light" panose="020B0303030302020204" pitchFamily="34" charset="-127"/>
-              <a:ea typeface="에스코어 드림 3 Light" panose="020B0303030302020204" pitchFamily="34" charset="-127"/>
-            </a:endParaRPr>
-          </a:p>
-          <a:p>
             <a:endParaRPr lang="en-US" altLang="ko-KR" dirty="0">
               <a:latin typeface="에스코어 드림 3 Light" panose="020B0303030302020204" pitchFamily="34" charset="-127"/>
               <a:ea typeface="에스코어 드림 3 Light" panose="020B0303030302020204" pitchFamily="34" charset="-127"/>
             </a:endParaRPr>
           </a:p>
           <a:p>
-            <a:r>
-              <a:rPr lang="en-US" altLang="ko-KR" dirty="0" smtClean="0">
-                <a:latin typeface="에스코어 드림 3 Light" panose="020B0303030302020204" pitchFamily="34" charset="-127"/>
-                <a:ea typeface="에스코어 드림 3 Light" panose="020B0303030302020204" pitchFamily="34" charset="-127"/>
-              </a:rPr>
-              <a:t> </a:t>
-            </a:r>
-            <a:r>
-              <a:rPr lang="ko-KR" altLang="en-US" dirty="0" err="1" smtClean="0">
-                <a:latin typeface="에스코어 드림 3 Light" panose="020B0303030302020204" pitchFamily="34" charset="-127"/>
-                <a:ea typeface="에스코어 드림 3 Light" panose="020B0303030302020204" pitchFamily="34" charset="-127"/>
-              </a:rPr>
-              <a:t>더블버퍼링</a:t>
-            </a:r>
-            <a:r>
-              <a:rPr lang="ko-KR" altLang="en-US" dirty="0" smtClean="0">
-                <a:latin typeface="에스코어 드림 3 Light" panose="020B0303030302020204" pitchFamily="34" charset="-127"/>
-                <a:ea typeface="에스코어 드림 3 Light" panose="020B0303030302020204" pitchFamily="34" charset="-127"/>
-              </a:rPr>
-              <a:t> </a:t>
-            </a:r>
-            <a:r>
-              <a:rPr lang="ko-KR" altLang="en-US" dirty="0" err="1" smtClean="0">
-                <a:latin typeface="에스코어 드림 3 Light" panose="020B0303030302020204" pitchFamily="34" charset="-127"/>
-                <a:ea typeface="에스코어 드림 3 Light" panose="020B0303030302020204" pitchFamily="34" charset="-127"/>
-              </a:rPr>
-              <a:t>코드랑</a:t>
-            </a:r>
-            <a:r>
-              <a:rPr lang="ko-KR" altLang="en-US" dirty="0" smtClean="0">
-                <a:latin typeface="에스코어 드림 3 Light" panose="020B0303030302020204" pitchFamily="34" charset="-127"/>
-                <a:ea typeface="에스코어 드림 3 Light" panose="020B0303030302020204" pitchFamily="34" charset="-127"/>
-              </a:rPr>
-              <a:t> 섞여서 코드를 짜고있는데</a:t>
-            </a:r>
-            <a:r>
-              <a:rPr lang="en-US" altLang="ko-KR" dirty="0" smtClean="0">
-                <a:latin typeface="에스코어 드림 3 Light" panose="020B0303030302020204" pitchFamily="34" charset="-127"/>
-                <a:ea typeface="에스코어 드림 3 Light" panose="020B0303030302020204" pitchFamily="34" charset="-127"/>
-              </a:rPr>
-              <a:t>,</a:t>
-            </a:r>
-          </a:p>
-          <a:p>
             <a:endParaRPr lang="en-US" altLang="ko-KR" dirty="0">
               <a:latin typeface="에스코어 드림 3 Light" panose="020B0303030302020204" pitchFamily="34" charset="-127"/>
               <a:ea typeface="에스코어 드림 3 Light" panose="020B0303030302020204" pitchFamily="34" charset="-127"/>
@@ -3475,91 +3409,49 @@
           </a:p>
           <a:p>
             <a:r>
-              <a:rPr lang="ko-KR" altLang="en-US" dirty="0" smtClean="0">
-                <a:latin typeface="에스코어 드림 3 Light" panose="020B0303030302020204" pitchFamily="34" charset="-127"/>
-                <a:ea typeface="에스코어 드림 3 Light" panose="020B0303030302020204" pitchFamily="34" charset="-127"/>
-              </a:rPr>
-              <a:t>실제로 게임 </a:t>
-            </a:r>
-            <a:r>
-              <a:rPr lang="ko-KR" altLang="en-US" dirty="0" err="1" smtClean="0">
-                <a:latin typeface="에스코어 드림 3 Light" panose="020B0303030302020204" pitchFamily="34" charset="-127"/>
-                <a:ea typeface="에스코어 드림 3 Light" panose="020B0303030302020204" pitchFamily="34" charset="-127"/>
-              </a:rPr>
-              <a:t>로직에만</a:t>
-            </a:r>
-            <a:r>
-              <a:rPr lang="ko-KR" altLang="en-US" dirty="0" smtClean="0">
+              <a:rPr lang="en-US" altLang="ko-KR" dirty="0">
                 <a:latin typeface="에스코어 드림 3 Light" panose="020B0303030302020204" pitchFamily="34" charset="-127"/>
                 <a:ea typeface="에스코어 드림 3 Light" panose="020B0303030302020204" pitchFamily="34" charset="-127"/>
               </a:rPr>
               <a:t> </a:t>
             </a:r>
             <a:r>
-              <a:rPr lang="ko-KR" altLang="en-US" dirty="0" err="1" smtClean="0">
-                <a:latin typeface="에스코어 드림 3 Light" panose="020B0303030302020204" pitchFamily="34" charset="-127"/>
-                <a:ea typeface="에스코어 드림 3 Light" panose="020B0303030302020204" pitchFamily="34" charset="-127"/>
-              </a:rPr>
-              <a:t>집중할수있도록</a:t>
-            </a:r>
-            <a:r>
-              <a:rPr lang="ko-KR" altLang="en-US" dirty="0" smtClean="0">
-                <a:latin typeface="에스코어 드림 3 Light" panose="020B0303030302020204" pitchFamily="34" charset="-127"/>
-                <a:ea typeface="에스코어 드림 3 Light" panose="020B0303030302020204" pitchFamily="34" charset="-127"/>
-              </a:rPr>
-              <a:t> 할거에요</a:t>
-            </a:r>
-            <a:r>
-              <a:rPr lang="en-US" altLang="ko-KR" dirty="0" smtClean="0">
-                <a:latin typeface="에스코어 드림 3 Light" panose="020B0303030302020204" pitchFamily="34" charset="-127"/>
-                <a:ea typeface="에스코어 드림 3 Light" panose="020B0303030302020204" pitchFamily="34" charset="-127"/>
-              </a:rPr>
-              <a:t>.</a:t>
-            </a:r>
-          </a:p>
-          <a:p>
-            <a:endParaRPr lang="en-US" altLang="ko-KR" dirty="0" smtClean="0">
-              <a:latin typeface="에스코어 드림 3 Light" panose="020B0303030302020204" pitchFamily="34" charset="-127"/>
-              <a:ea typeface="에스코어 드림 3 Light" panose="020B0303030302020204" pitchFamily="34" charset="-127"/>
-            </a:endParaRPr>
-          </a:p>
-          <a:p>
+              <a:rPr lang="ko-KR" altLang="en-US" dirty="0" err="1">
+                <a:latin typeface="에스코어 드림 3 Light" panose="020B0303030302020204" pitchFamily="34" charset="-127"/>
+                <a:ea typeface="에스코어 드림 3 Light" panose="020B0303030302020204" pitchFamily="34" charset="-127"/>
+              </a:rPr>
+              <a:t>더블버퍼링</a:t>
+            </a:r>
+            <a:r>
+              <a:rPr lang="ko-KR" altLang="en-US" dirty="0">
+                <a:latin typeface="에스코어 드림 3 Light" panose="020B0303030302020204" pitchFamily="34" charset="-127"/>
+                <a:ea typeface="에스코어 드림 3 Light" panose="020B0303030302020204" pitchFamily="34" charset="-127"/>
+              </a:rPr>
+              <a:t> </a:t>
+            </a:r>
+            <a:r>
+              <a:rPr lang="ko-KR" altLang="en-US" dirty="0" err="1">
+                <a:latin typeface="에스코어 드림 3 Light" panose="020B0303030302020204" pitchFamily="34" charset="-127"/>
+                <a:ea typeface="에스코어 드림 3 Light" panose="020B0303030302020204" pitchFamily="34" charset="-127"/>
+              </a:rPr>
+              <a:t>코드랑</a:t>
+            </a:r>
+            <a:r>
+              <a:rPr lang="ko-KR" altLang="en-US" dirty="0">
+                <a:latin typeface="에스코어 드림 3 Light" panose="020B0303030302020204" pitchFamily="34" charset="-127"/>
+                <a:ea typeface="에스코어 드림 3 Light" panose="020B0303030302020204" pitchFamily="34" charset="-127"/>
+              </a:rPr>
+              <a:t> 섞여서 코드를 짜고있는데</a:t>
+            </a:r>
             <a:r>
               <a:rPr lang="en-US" altLang="ko-KR" dirty="0">
                 <a:latin typeface="에스코어 드림 3 Light" panose="020B0303030302020204" pitchFamily="34" charset="-127"/>
                 <a:ea typeface="에스코어 드림 3 Light" panose="020B0303030302020204" pitchFamily="34" charset="-127"/>
               </a:rPr>
-              <a:t> </a:t>
-            </a:r>
-            <a:r>
-              <a:rPr lang="en-US" altLang="ko-KR" dirty="0" smtClean="0">
-                <a:latin typeface="에스코어 드림 3 Light" panose="020B0303030302020204" pitchFamily="34" charset="-127"/>
-                <a:ea typeface="에스코어 드림 3 Light" panose="020B0303030302020204" pitchFamily="34" charset="-127"/>
-              </a:rPr>
-              <a:t>+ </a:t>
-            </a:r>
-          </a:p>
-          <a:p>
-            <a:endParaRPr lang="en-US" altLang="ko-KR" dirty="0" smtClean="0">
-              <a:latin typeface="에스코어 드림 3 Light" panose="020B0303030302020204" pitchFamily="34" charset="-127"/>
-              <a:ea typeface="에스코어 드림 3 Light" panose="020B0303030302020204" pitchFamily="34" charset="-127"/>
-            </a:endParaRPr>
-          </a:p>
-          <a:p>
-            <a:r>
-              <a:rPr lang="en-US" altLang="ko-KR" dirty="0" smtClean="0">
-                <a:latin typeface="에스코어 드림 3 Light" panose="020B0303030302020204" pitchFamily="34" charset="-127"/>
-                <a:ea typeface="에스코어 드림 3 Light" panose="020B0303030302020204" pitchFamily="34" charset="-127"/>
-              </a:rPr>
-              <a:t>Scene</a:t>
-            </a:r>
-            <a:r>
-              <a:rPr lang="ko-KR" altLang="en-US" dirty="0" smtClean="0">
-                <a:latin typeface="에스코어 드림 3 Light" panose="020B0303030302020204" pitchFamily="34" charset="-127"/>
-                <a:ea typeface="에스코어 드림 3 Light" panose="020B0303030302020204" pitchFamily="34" charset="-127"/>
-              </a:rPr>
-              <a:t>끼리 전환도 가능하게 해주는게</a:t>
-            </a:r>
+              <a:t>,</a:t>
+            </a:r>
+          </a:p>
+          <a:p>
             <a:endParaRPr lang="en-US" altLang="ko-KR" dirty="0">
               <a:latin typeface="에스코어 드림 3 Light" panose="020B0303030302020204" pitchFamily="34" charset="-127"/>
               <a:ea typeface="에스코어 드림 3 Light" panose="020B0303030302020204" pitchFamily="34" charset="-127"/>
@@ -3567,21 +3459,106 @@
           </a:p>
           <a:p>
             <a:r>
-              <a:rPr lang="en-US" altLang="ko-KR" dirty="0" smtClean="0">
+              <a:rPr lang="ko-KR" altLang="en-US" dirty="0">
+                <a:latin typeface="에스코어 드림 3 Light" panose="020B0303030302020204" pitchFamily="34" charset="-127"/>
+                <a:ea typeface="에스코어 드림 3 Light" panose="020B0303030302020204" pitchFamily="34" charset="-127"/>
+              </a:rPr>
+              <a:t>실제로 게임 </a:t>
+            </a:r>
+            <a:r>
+              <a:rPr lang="ko-KR" altLang="en-US" dirty="0" err="1">
+                <a:latin typeface="에스코어 드림 3 Light" panose="020B0303030302020204" pitchFamily="34" charset="-127"/>
+                <a:ea typeface="에스코어 드림 3 Light" panose="020B0303030302020204" pitchFamily="34" charset="-127"/>
+              </a:rPr>
+              <a:t>로직에만</a:t>
+            </a:r>
+            <a:r>
+              <a:rPr lang="ko-KR" altLang="en-US" dirty="0">
+                <a:latin typeface="에스코어 드림 3 Light" panose="020B0303030302020204" pitchFamily="34" charset="-127"/>
+                <a:ea typeface="에스코어 드림 3 Light" panose="020B0303030302020204" pitchFamily="34" charset="-127"/>
+              </a:rPr>
+              <a:t> </a:t>
+            </a:r>
+            <a:r>
+              <a:rPr lang="ko-KR" altLang="en-US" dirty="0" err="1">
+                <a:latin typeface="에스코어 드림 3 Light" panose="020B0303030302020204" pitchFamily="34" charset="-127"/>
+                <a:ea typeface="에스코어 드림 3 Light" panose="020B0303030302020204" pitchFamily="34" charset="-127"/>
+              </a:rPr>
+              <a:t>집중할수있도록</a:t>
+            </a:r>
+            <a:r>
+              <a:rPr lang="ko-KR" altLang="en-US" dirty="0">
+                <a:latin typeface="에스코어 드림 3 Light" panose="020B0303030302020204" pitchFamily="34" charset="-127"/>
+                <a:ea typeface="에스코어 드림 3 Light" panose="020B0303030302020204" pitchFamily="34" charset="-127"/>
+              </a:rPr>
+              <a:t> 할거에요</a:t>
+            </a:r>
+            <a:r>
+              <a:rPr lang="en-US" altLang="ko-KR" dirty="0">
+                <a:latin typeface="에스코어 드림 3 Light" panose="020B0303030302020204" pitchFamily="34" charset="-127"/>
+                <a:ea typeface="에스코어 드림 3 Light" panose="020B0303030302020204" pitchFamily="34" charset="-127"/>
+              </a:rPr>
+              <a:t>.</a:t>
+            </a:r>
+          </a:p>
+          <a:p>
+            <a:endParaRPr lang="en-US" altLang="ko-KR" dirty="0">
+              <a:latin typeface="에스코어 드림 3 Light" panose="020B0303030302020204" pitchFamily="34" charset="-127"/>
+              <a:ea typeface="에스코어 드림 3 Light" panose="020B0303030302020204" pitchFamily="34" charset="-127"/>
+            </a:endParaRPr>
+          </a:p>
+          <a:p>
+            <a:r>
+              <a:rPr lang="en-US" altLang="ko-KR" dirty="0">
+                <a:latin typeface="에스코어 드림 3 Light" panose="020B0303030302020204" pitchFamily="34" charset="-127"/>
+                <a:ea typeface="에스코어 드림 3 Light" panose="020B0303030302020204" pitchFamily="34" charset="-127"/>
+              </a:rPr>
+              <a:t> + </a:t>
+            </a:r>
+          </a:p>
+          <a:p>
+            <a:endParaRPr lang="en-US" altLang="ko-KR" dirty="0">
+              <a:latin typeface="에스코어 드림 3 Light" panose="020B0303030302020204" pitchFamily="34" charset="-127"/>
+              <a:ea typeface="에스코어 드림 3 Light" panose="020B0303030302020204" pitchFamily="34" charset="-127"/>
+            </a:endParaRPr>
+          </a:p>
+          <a:p>
+            <a:r>
+              <a:rPr lang="en-US" altLang="ko-KR" dirty="0">
+                <a:latin typeface="에스코어 드림 3 Light" panose="020B0303030302020204" pitchFamily="34" charset="-127"/>
+                <a:ea typeface="에스코어 드림 3 Light" panose="020B0303030302020204" pitchFamily="34" charset="-127"/>
+              </a:rPr>
+              <a:t>Scene</a:t>
+            </a:r>
+            <a:r>
+              <a:rPr lang="ko-KR" altLang="en-US" dirty="0">
+                <a:latin typeface="에스코어 드림 3 Light" panose="020B0303030302020204" pitchFamily="34" charset="-127"/>
+                <a:ea typeface="에스코어 드림 3 Light" panose="020B0303030302020204" pitchFamily="34" charset="-127"/>
+              </a:rPr>
+              <a:t>끼리 전환도 가능하게 해주는게</a:t>
+            </a:r>
+            <a:endParaRPr lang="en-US" altLang="ko-KR" dirty="0">
+              <a:latin typeface="에스코어 드림 3 Light" panose="020B0303030302020204" pitchFamily="34" charset="-127"/>
+              <a:ea typeface="에스코어 드림 3 Light" panose="020B0303030302020204" pitchFamily="34" charset="-127"/>
+            </a:endParaRPr>
+          </a:p>
+          <a:p>
+            <a:r>
+              <a:rPr lang="en-US" altLang="ko-KR" dirty="0">
                 <a:latin typeface="에스코어 드림 3 Light" panose="020B0303030302020204" pitchFamily="34" charset="-127"/>
                 <a:ea typeface="에스코어 드림 3 Light" panose="020B0303030302020204" pitchFamily="34" charset="-127"/>
               </a:rPr>
               <a:t>Scene Manager</a:t>
             </a:r>
             <a:r>
-              <a:rPr lang="ko-KR" altLang="en-US" dirty="0" smtClean="0">
+              <a:rPr lang="ko-KR" altLang="en-US" dirty="0">
                 <a:latin typeface="에스코어 드림 3 Light" panose="020B0303030302020204" pitchFamily="34" charset="-127"/>
                 <a:ea typeface="에스코어 드림 3 Light" panose="020B0303030302020204" pitchFamily="34" charset="-127"/>
               </a:rPr>
               <a:t>입니다</a:t>
             </a:r>
             <a:r>
-              <a:rPr lang="en-US" altLang="ko-KR" dirty="0" smtClean="0">
+              <a:rPr lang="en-US" altLang="ko-KR" dirty="0">
                 <a:latin typeface="에스코어 드림 3 Light" panose="020B0303030302020204" pitchFamily="34" charset="-127"/>
                 <a:ea typeface="에스코어 드림 3 Light" panose="020B0303030302020204" pitchFamily="34" charset="-127"/>
               </a:rPr>
@@ -3643,48 +3620,62 @@
           <a:lstStyle/>
           <a:p>
             <a:r>
-              <a:rPr lang="en-US" altLang="ko-KR" dirty="0" smtClean="0">
+              <a:rPr lang="en-US" altLang="ko-KR" dirty="0">
                 <a:latin typeface="에스코어 드림 3 Light" panose="020B0303030302020204" pitchFamily="34" charset="-127"/>
                 <a:ea typeface="에스코어 드림 3 Light" panose="020B0303030302020204" pitchFamily="34" charset="-127"/>
               </a:rPr>
               <a:t>1</a:t>
             </a:r>
             <a:r>
-              <a:rPr lang="ko-KR" altLang="en-US" dirty="0" smtClean="0">
+              <a:rPr lang="ko-KR" altLang="en-US" dirty="0">
                 <a:latin typeface="에스코어 드림 3 Light" panose="020B0303030302020204" pitchFamily="34" charset="-127"/>
                 <a:ea typeface="에스코어 드림 3 Light" panose="020B0303030302020204" pitchFamily="34" charset="-127"/>
               </a:rPr>
               <a:t>초 </a:t>
             </a:r>
             <a:r>
-              <a:rPr lang="en-US" altLang="ko-KR" dirty="0" smtClean="0">
-                <a:latin typeface="에스코어 드림 3 Light" panose="020B0303030302020204" pitchFamily="34" charset="-127"/>
-                <a:ea typeface="에스코어 드림 3 Light" panose="020B0303030302020204" pitchFamily="34" charset="-127"/>
-              </a:rPr>
-              <a:t>: 100px : Time-&gt;</a:t>
-            </a:r>
-            <a:r>
-              <a:rPr lang="en-US" altLang="ko-KR" dirty="0" err="1" smtClean="0">
+              <a:rPr lang="en-US" altLang="ko-KR" dirty="0">
+                <a:latin typeface="에스코어 드림 3 Light" panose="020B0303030302020204" pitchFamily="34" charset="-127"/>
+                <a:ea typeface="에스코어 드림 3 Light" panose="020B0303030302020204" pitchFamily="34" charset="-127"/>
+              </a:rPr>
+              <a:t>: </a:t>
+            </a:r>
+            <a:r>
+              <a:rPr lang="en-US" altLang="ko-KR">
+                <a:latin typeface="에스코어 드림 3 Light" panose="020B0303030302020204" pitchFamily="34" charset="-127"/>
+                <a:ea typeface="에스코어 드림 3 Light" panose="020B0303030302020204" pitchFamily="34" charset="-127"/>
+              </a:rPr>
+              <a:t>100px = </a:t>
+            </a:r>
+            <a:r>
+              <a:rPr lang="en-US" altLang="ko-KR" dirty="0">
+                <a:latin typeface="에스코어 드림 3 Light" panose="020B0303030302020204" pitchFamily="34" charset="-127"/>
+                <a:ea typeface="에스코어 드림 3 Light" panose="020B0303030302020204" pitchFamily="34" charset="-127"/>
+              </a:rPr>
+              <a:t>Time-&gt;</a:t>
+            </a:r>
+            <a:r>
+              <a:rPr lang="en-US" altLang="ko-KR" dirty="0" err="1">
                 <a:latin typeface="에스코어 드림 3 Light" panose="020B0303030302020204" pitchFamily="34" charset="-127"/>
                 <a:ea typeface="에스코어 드림 3 Light" panose="020B0303030302020204" pitchFamily="34" charset="-127"/>
               </a:rPr>
               <a:t>GetDeltaTime</a:t>
             </a:r>
             <a:r>
-              <a:rPr lang="en-US" altLang="ko-KR" dirty="0" smtClean="0">
+              <a:rPr lang="en-US" altLang="ko-KR" dirty="0">
                 <a:latin typeface="에스코어 드림 3 Light" panose="020B0303030302020204" pitchFamily="34" charset="-127"/>
                 <a:ea typeface="에스코어 드림 3 Light" panose="020B0303030302020204" pitchFamily="34" charset="-127"/>
               </a:rPr>
               <a:t>() : ?? </a:t>
             </a:r>
             <a:r>
-              <a:rPr lang="en-US" altLang="ko-KR" dirty="0" err="1" smtClean="0">
+              <a:rPr lang="en-US" altLang="ko-KR" dirty="0" err="1">
                 <a:latin typeface="에스코어 드림 3 Light" panose="020B0303030302020204" pitchFamily="34" charset="-127"/>
                 <a:ea typeface="에스코어 드림 3 Light" panose="020B0303030302020204" pitchFamily="34" charset="-127"/>
               </a:rPr>
               <a:t>px</a:t>
             </a:r>
-            <a:endParaRPr lang="en-US" altLang="ko-KR" dirty="0" smtClean="0">
+            <a:endParaRPr lang="en-US" altLang="ko-KR" dirty="0">
               <a:latin typeface="에스코어 드림 3 Light" panose="020B0303030302020204" pitchFamily="34" charset="-127"/>
               <a:ea typeface="에스코어 드림 3 Light" panose="020B0303030302020204" pitchFamily="34" charset="-127"/>
             </a:endParaRPr>
@@ -3713,83 +3704,83 @@
           <a:lstStyle/>
           <a:p>
             <a:r>
-              <a:rPr lang="en-US" altLang="ko-KR" dirty="0" err="1" smtClean="0">
+              <a:rPr lang="en-US" altLang="ko-KR" dirty="0" err="1">
                 <a:latin typeface="에스코어 드림 3 Light" panose="020B0303030302020204" pitchFamily="34" charset="-127"/>
                 <a:ea typeface="에스코어 드림 3 Light" panose="020B0303030302020204" pitchFamily="34" charset="-127"/>
               </a:rPr>
               <a:t>GetDeltaTime</a:t>
             </a:r>
             <a:r>
-              <a:rPr lang="en-US" altLang="ko-KR" dirty="0" smtClean="0">
+              <a:rPr lang="en-US" altLang="ko-KR" dirty="0">
                 <a:latin typeface="에스코어 드림 3 Light" panose="020B0303030302020204" pitchFamily="34" charset="-127"/>
                 <a:ea typeface="에스코어 드림 3 Light" panose="020B0303030302020204" pitchFamily="34" charset="-127"/>
               </a:rPr>
               <a:t> : </a:t>
             </a:r>
             <a:r>
-              <a:rPr lang="ko-KR" altLang="en-US" dirty="0" err="1" smtClean="0">
+              <a:rPr lang="ko-KR" altLang="en-US" dirty="0" err="1">
                 <a:latin typeface="에스코어 드림 3 Light" panose="020B0303030302020204" pitchFamily="34" charset="-127"/>
                 <a:ea typeface="에스코어 드림 3 Light" panose="020B0303030302020204" pitchFamily="34" charset="-127"/>
               </a:rPr>
               <a:t>이전프레임</a:t>
             </a:r>
             <a:r>
-              <a:rPr lang="ko-KR" altLang="en-US" dirty="0" smtClean="0">
+              <a:rPr lang="ko-KR" altLang="en-US" dirty="0">
                 <a:latin typeface="에스코어 드림 3 Light" panose="020B0303030302020204" pitchFamily="34" charset="-127"/>
                 <a:ea typeface="에스코어 드림 3 Light" panose="020B0303030302020204" pitchFamily="34" charset="-127"/>
               </a:rPr>
               <a:t> </a:t>
             </a:r>
             <a:r>
-              <a:rPr lang="en-US" altLang="ko-KR" dirty="0" smtClean="0">
+              <a:rPr lang="en-US" altLang="ko-KR" dirty="0">
                 <a:latin typeface="에스코어 드림 3 Light" panose="020B0303030302020204" pitchFamily="34" charset="-127"/>
                 <a:ea typeface="에스코어 드림 3 Light" panose="020B0303030302020204" pitchFamily="34" charset="-127"/>
               </a:rPr>
               <a:t>~ </a:t>
             </a:r>
             <a:r>
-              <a:rPr lang="ko-KR" altLang="en-US" dirty="0" smtClean="0">
+              <a:rPr lang="ko-KR" altLang="en-US" dirty="0">
                 <a:latin typeface="에스코어 드림 3 Light" panose="020B0303030302020204" pitchFamily="34" charset="-127"/>
                 <a:ea typeface="에스코어 드림 3 Light" panose="020B0303030302020204" pitchFamily="34" charset="-127"/>
               </a:rPr>
               <a:t>현재프레임까지 걸린 시간</a:t>
             </a:r>
-            <a:endParaRPr lang="en-US" altLang="ko-KR" dirty="0" smtClean="0">
+            <a:endParaRPr lang="en-US" altLang="ko-KR" dirty="0">
               <a:latin typeface="에스코어 드림 3 Light" panose="020B0303030302020204" pitchFamily="34" charset="-127"/>
               <a:ea typeface="에스코어 드림 3 Light" panose="020B0303030302020204" pitchFamily="34" charset="-127"/>
             </a:endParaRPr>
           </a:p>
           <a:p>
             <a:r>
-              <a:rPr lang="en-US" altLang="ko-KR" dirty="0" smtClean="0">
+              <a:rPr lang="en-US" altLang="ko-KR" dirty="0">
                 <a:latin typeface="에스코어 드림 3 Light" panose="020B0303030302020204" pitchFamily="34" charset="-127"/>
                 <a:ea typeface="에스코어 드림 3 Light" panose="020B0303030302020204" pitchFamily="34" charset="-127"/>
               </a:rPr>
               <a:t>(60</a:t>
             </a:r>
             <a:r>
-              <a:rPr lang="ko-KR" altLang="en-US" dirty="0" smtClean="0">
+              <a:rPr lang="ko-KR" altLang="en-US" dirty="0">
                 <a:latin typeface="에스코어 드림 3 Light" panose="020B0303030302020204" pitchFamily="34" charset="-127"/>
                 <a:ea typeface="에스코어 드림 3 Light" panose="020B0303030302020204" pitchFamily="34" charset="-127"/>
               </a:rPr>
               <a:t>프레임기준으로 </a:t>
             </a:r>
             <a:r>
-              <a:rPr lang="en-US" altLang="ko-KR" dirty="0" smtClean="0">
+              <a:rPr lang="en-US" altLang="ko-KR" dirty="0">
                 <a:latin typeface="에스코어 드림 3 Light" panose="020B0303030302020204" pitchFamily="34" charset="-127"/>
                 <a:ea typeface="에스코어 드림 3 Light" panose="020B0303030302020204" pitchFamily="34" charset="-127"/>
               </a:rPr>
               <a:t>0.016</a:t>
             </a:r>
             <a:r>
-              <a:rPr lang="ko-KR" altLang="en-US" dirty="0" smtClean="0">
+              <a:rPr lang="ko-KR" altLang="en-US" dirty="0">
                 <a:latin typeface="에스코어 드림 3 Light" panose="020B0303030302020204" pitchFamily="34" charset="-127"/>
                 <a:ea typeface="에스코어 드림 3 Light" panose="020B0303030302020204" pitchFamily="34" charset="-127"/>
               </a:rPr>
               <a:t>초</a:t>
             </a:r>
             <a:r>
-              <a:rPr lang="en-US" altLang="ko-KR" dirty="0" smtClean="0">
+              <a:rPr lang="en-US" altLang="ko-KR" dirty="0">
                 <a:latin typeface="에스코어 드림 3 Light" panose="020B0303030302020204" pitchFamily="34" charset="-127"/>
                 <a:ea typeface="에스코어 드림 3 Light" panose="020B0303030302020204" pitchFamily="34" charset="-127"/>
               </a:rPr>
@@ -3822,28 +3813,28 @@
           <a:lstStyle/>
           <a:p>
             <a:r>
-              <a:rPr lang="ko-KR" altLang="en-US" dirty="0" smtClean="0">
+              <a:rPr lang="ko-KR" altLang="en-US" dirty="0">
                 <a:latin typeface="에스코어 드림 3 Light" panose="020B0303030302020204" pitchFamily="34" charset="-127"/>
                 <a:ea typeface="에스코어 드림 3 Light" panose="020B0303030302020204" pitchFamily="34" charset="-127"/>
               </a:rPr>
               <a:t>이동속도</a:t>
             </a:r>
             <a:r>
-              <a:rPr lang="en-US" altLang="ko-KR" dirty="0" smtClean="0">
+              <a:rPr lang="en-US" altLang="ko-KR" dirty="0">
                 <a:latin typeface="에스코어 드림 3 Light" panose="020B0303030302020204" pitchFamily="34" charset="-127"/>
                 <a:ea typeface="에스코어 드림 3 Light" panose="020B0303030302020204" pitchFamily="34" charset="-127"/>
               </a:rPr>
               <a:t> * Time-&gt;</a:t>
             </a:r>
             <a:r>
-              <a:rPr lang="en-US" altLang="ko-KR" dirty="0" err="1" smtClean="0">
+              <a:rPr lang="en-US" altLang="ko-KR" dirty="0" err="1">
                 <a:latin typeface="에스코어 드림 3 Light" panose="020B0303030302020204" pitchFamily="34" charset="-127"/>
                 <a:ea typeface="에스코어 드림 3 Light" panose="020B0303030302020204" pitchFamily="34" charset="-127"/>
               </a:rPr>
               <a:t>GetDeltaTime</a:t>
             </a:r>
             <a:r>
-              <a:rPr lang="en-US" altLang="ko-KR" dirty="0" smtClean="0">
+              <a:rPr lang="en-US" altLang="ko-KR" dirty="0">
                 <a:latin typeface="에스코어 드림 3 Light" panose="020B0303030302020204" pitchFamily="34" charset="-127"/>
                 <a:ea typeface="에스코어 드림 3 Light" panose="020B0303030302020204" pitchFamily="34" charset="-127"/>
               </a:rPr>
@@ -3905,21 +3896,21 @@
           <a:lstStyle/>
           <a:p>
             <a:r>
-              <a:rPr lang="en-US" altLang="ko-KR" dirty="0" smtClean="0">
+              <a:rPr lang="en-US" altLang="ko-KR" dirty="0">
                 <a:latin typeface="에스코어 드림 3 Light" panose="020B0303030302020204" pitchFamily="34" charset="-127"/>
                 <a:ea typeface="에스코어 드림 3 Light" panose="020B0303030302020204" pitchFamily="34" charset="-127"/>
               </a:rPr>
               <a:t>X,Y (2</a:t>
             </a:r>
             <a:r>
-              <a:rPr lang="ko-KR" altLang="en-US" dirty="0" smtClean="0">
+              <a:rPr lang="ko-KR" altLang="en-US" dirty="0">
                 <a:latin typeface="에스코어 드림 3 Light" panose="020B0303030302020204" pitchFamily="34" charset="-127"/>
                 <a:ea typeface="에스코어 드림 3 Light" panose="020B0303030302020204" pitchFamily="34" charset="-127"/>
               </a:rPr>
               <a:t>차원 점</a:t>
             </a:r>
             <a:r>
-              <a:rPr lang="en-US" altLang="ko-KR" dirty="0" smtClean="0">
+              <a:rPr lang="en-US" altLang="ko-KR" dirty="0">
                 <a:latin typeface="에스코어 드림 3 Light" panose="020B0303030302020204" pitchFamily="34" charset="-127"/>
                 <a:ea typeface="에스코어 드림 3 Light" panose="020B0303030302020204" pitchFamily="34" charset="-127"/>
               </a:rPr>
@@ -3933,35 +3924,6 @@
             </a:endParaRPr>
           </a:p>
           <a:p>
-            <a:endParaRPr lang="en-US" altLang="ko-KR" dirty="0" smtClean="0">
-              <a:latin typeface="에스코어 드림 3 Light" panose="020B0303030302020204" pitchFamily="34" charset="-127"/>
-              <a:ea typeface="에스코어 드림 3 Light" panose="020B0303030302020204" pitchFamily="34" charset="-127"/>
-            </a:endParaRPr>
-          </a:p>
-          <a:p>
-            <a:r>
-              <a:rPr lang="en-US" altLang="ko-KR" dirty="0" smtClean="0">
-                <a:latin typeface="에스코어 드림 3 Light" panose="020B0303030302020204" pitchFamily="34" charset="-127"/>
-                <a:ea typeface="에스코어 드림 3 Light" panose="020B0303030302020204" pitchFamily="34" charset="-127"/>
-              </a:rPr>
-              <a:t>POINT (</a:t>
-            </a:r>
-            <a:r>
-              <a:rPr lang="ko-KR" altLang="en-US" dirty="0" smtClean="0">
-                <a:latin typeface="에스코어 드림 3 Light" panose="020B0303030302020204" pitchFamily="34" charset="-127"/>
-                <a:ea typeface="에스코어 드림 3 Light" panose="020B0303030302020204" pitchFamily="34" charset="-127"/>
-              </a:rPr>
-              <a:t>정수형 구조체가 아니라</a:t>
-            </a:r>
-            <a:r>
-              <a:rPr lang="en-US" altLang="ko-KR" dirty="0" smtClean="0">
-                <a:latin typeface="에스코어 드림 3 Light" panose="020B0303030302020204" pitchFamily="34" charset="-127"/>
-                <a:ea typeface="에스코어 드림 3 Light" panose="020B0303030302020204" pitchFamily="34" charset="-127"/>
-              </a:rPr>
-              <a:t>)</a:t>
-            </a:r>
-          </a:p>
-          <a:p>
             <a:endParaRPr lang="en-US" altLang="ko-KR" dirty="0">
               <a:latin typeface="에스코어 드림 3 Light" panose="020B0303030302020204" pitchFamily="34" charset="-127"/>
               <a:ea typeface="에스코어 드림 3 Light" panose="020B0303030302020204" pitchFamily="34" charset="-127"/>
@@ -3969,25 +3931,25 @@
           </a:p>
           <a:p>
             <a:r>
-              <a:rPr lang="en-US" altLang="ko-KR" dirty="0" smtClean="0">
-                <a:latin typeface="에스코어 드림 3 Light" panose="020B0303030302020204" pitchFamily="34" charset="-127"/>
-                <a:ea typeface="에스코어 드림 3 Light" panose="020B0303030302020204" pitchFamily="34" charset="-127"/>
-              </a:rPr>
-              <a:t>Vector2</a:t>
-            </a:r>
-            <a:r>
-              <a:rPr lang="ko-KR" altLang="en-US" dirty="0" smtClean="0">
-                <a:latin typeface="에스코어 드림 3 Light" panose="020B0303030302020204" pitchFamily="34" charset="-127"/>
-                <a:ea typeface="에스코어 드림 3 Light" panose="020B0303030302020204" pitchFamily="34" charset="-127"/>
-              </a:rPr>
-              <a:t>라는 변수를 만들도록 하겠습니다</a:t>
-            </a:r>
-            <a:r>
-              <a:rPr lang="en-US" altLang="ko-KR" dirty="0" smtClean="0">
-                <a:latin typeface="에스코어 드림 3 Light" panose="020B0303030302020204" pitchFamily="34" charset="-127"/>
-                <a:ea typeface="에스코어 드림 3 Light" panose="020B0303030302020204" pitchFamily="34" charset="-127"/>
-              </a:rPr>
-              <a:t>.</a:t>
+              <a:rPr lang="en-US" altLang="ko-KR" dirty="0">
+                <a:latin typeface="에스코어 드림 3 Light" panose="020B0303030302020204" pitchFamily="34" charset="-127"/>
+                <a:ea typeface="에스코어 드림 3 Light" panose="020B0303030302020204" pitchFamily="34" charset="-127"/>
+              </a:rPr>
+              <a:t>POINT (</a:t>
+            </a:r>
+            <a:r>
+              <a:rPr lang="ko-KR" altLang="en-US" dirty="0">
+                <a:latin typeface="에스코어 드림 3 Light" panose="020B0303030302020204" pitchFamily="34" charset="-127"/>
+                <a:ea typeface="에스코어 드림 3 Light" panose="020B0303030302020204" pitchFamily="34" charset="-127"/>
+              </a:rPr>
+              <a:t>정수형 구조체가 아니라</a:t>
+            </a:r>
+            <a:r>
+              <a:rPr lang="en-US" altLang="ko-KR" dirty="0">
+                <a:latin typeface="에스코어 드림 3 Light" panose="020B0303030302020204" pitchFamily="34" charset="-127"/>
+                <a:ea typeface="에스코어 드림 3 Light" panose="020B0303030302020204" pitchFamily="34" charset="-127"/>
+              </a:rPr>
+              <a:t>)</a:t>
             </a:r>
           </a:p>
           <a:p>
@@ -3997,14 +3959,43 @@
             </a:endParaRPr>
           </a:p>
           <a:p>
+            <a:r>
+              <a:rPr lang="en-US" altLang="ko-KR" dirty="0">
+                <a:latin typeface="에스코어 드림 3 Light" panose="020B0303030302020204" pitchFamily="34" charset="-127"/>
+                <a:ea typeface="에스코어 드림 3 Light" panose="020B0303030302020204" pitchFamily="34" charset="-127"/>
+              </a:rPr>
+              <a:t>Vector2</a:t>
+            </a:r>
+            <a:r>
+              <a:rPr lang="ko-KR" altLang="en-US" dirty="0">
+                <a:latin typeface="에스코어 드림 3 Light" panose="020B0303030302020204" pitchFamily="34" charset="-127"/>
+                <a:ea typeface="에스코어 드림 3 Light" panose="020B0303030302020204" pitchFamily="34" charset="-127"/>
+              </a:rPr>
+              <a:t>라는 변수를 만들도록 하겠습니다</a:t>
+            </a:r>
+            <a:r>
+              <a:rPr lang="en-US" altLang="ko-KR" dirty="0">
+                <a:latin typeface="에스코어 드림 3 Light" panose="020B0303030302020204" pitchFamily="34" charset="-127"/>
+                <a:ea typeface="에스코어 드림 3 Light" panose="020B0303030302020204" pitchFamily="34" charset="-127"/>
+              </a:rPr>
+              <a:t>.</a:t>
+            </a:r>
+          </a:p>
+          <a:p>
             <a:endParaRPr lang="en-US" altLang="ko-KR" dirty="0">
               <a:latin typeface="에스코어 드림 3 Light" panose="020B0303030302020204" pitchFamily="34" charset="-127"/>
               <a:ea typeface="에스코어 드림 3 Light" panose="020B0303030302020204" pitchFamily="34" charset="-127"/>
             </a:endParaRPr>
           </a:p>
           <a:p>
-            <a:r>
-              <a:rPr lang="en-US" altLang="ko-KR" dirty="0" smtClean="0">
+            <a:endParaRPr lang="en-US" altLang="ko-KR" dirty="0">
+              <a:latin typeface="에스코어 드림 3 Light" panose="020B0303030302020204" pitchFamily="34" charset="-127"/>
+              <a:ea typeface="에스코어 드림 3 Light" panose="020B0303030302020204" pitchFamily="34" charset="-127"/>
+            </a:endParaRPr>
+          </a:p>
+          <a:p>
+            <a:r>
+              <a:rPr lang="en-US" altLang="ko-KR" dirty="0">
                 <a:latin typeface="에스코어 드림 3 Light" panose="020B0303030302020204" pitchFamily="34" charset="-127"/>
                 <a:ea typeface="에스코어 드림 3 Light" panose="020B0303030302020204" pitchFamily="34" charset="-127"/>
               </a:rPr>
@@ -4148,7 +4139,7 @@
           <a:lstStyle/>
           <a:p>
             <a:r>
-              <a:rPr lang="en-US" altLang="ko-KR" dirty="0" smtClean="0">
+              <a:rPr lang="en-US" altLang="ko-KR" dirty="0">
                 <a:latin typeface="에스코어 드림 3 Light" panose="020B0303030302020204" pitchFamily="34" charset="-127"/>
                 <a:ea typeface="에스코어 드림 3 Light" panose="020B0303030302020204" pitchFamily="34" charset="-127"/>
               </a:rPr>
@@ -4213,21 +4204,21 @@
           <a:lstStyle/>
           <a:p>
             <a:r>
-              <a:rPr lang="en-US" altLang="ko-KR" dirty="0" smtClean="0">
+              <a:rPr lang="en-US" altLang="ko-KR" dirty="0">
                 <a:latin typeface="에스코어 드림 3 Light" panose="020B0303030302020204" pitchFamily="34" charset="-127"/>
                 <a:ea typeface="에스코어 드림 3 Light" panose="020B0303030302020204" pitchFamily="34" charset="-127"/>
               </a:rPr>
               <a:t>(</a:t>
             </a:r>
             <a:r>
-              <a:rPr lang="ko-KR" altLang="en-US" dirty="0" smtClean="0">
+              <a:rPr lang="ko-KR" altLang="en-US" dirty="0">
                 <a:latin typeface="에스코어 드림 3 Light" panose="020B0303030302020204" pitchFamily="34" charset="-127"/>
                 <a:ea typeface="에스코어 드림 3 Light" panose="020B0303030302020204" pitchFamily="34" charset="-127"/>
               </a:rPr>
               <a:t>방향 벡터</a:t>
             </a:r>
             <a:r>
-              <a:rPr lang="en-US" altLang="ko-KR" dirty="0" smtClean="0">
+              <a:rPr lang="en-US" altLang="ko-KR" dirty="0">
                 <a:latin typeface="에스코어 드림 3 Light" panose="020B0303030302020204" pitchFamily="34" charset="-127"/>
                 <a:ea typeface="에스코어 드림 3 Light" panose="020B0303030302020204" pitchFamily="34" charset="-127"/>
               </a:rPr>
@@ -4236,21 +4227,21 @@
           </a:p>
           <a:p>
             <a:r>
-              <a:rPr lang="en-US" altLang="ko-KR" dirty="0" smtClean="0">
+              <a:rPr lang="en-US" altLang="ko-KR" dirty="0">
                 <a:latin typeface="에스코어 드림 3 Light" panose="020B0303030302020204" pitchFamily="34" charset="-127"/>
                 <a:ea typeface="에스코어 드림 3 Light" panose="020B0303030302020204" pitchFamily="34" charset="-127"/>
               </a:rPr>
               <a:t>(</a:t>
             </a:r>
             <a:r>
-              <a:rPr lang="ko-KR" altLang="en-US" dirty="0" smtClean="0">
+              <a:rPr lang="ko-KR" altLang="en-US" dirty="0">
                 <a:latin typeface="에스코어 드림 3 Light" panose="020B0303030302020204" pitchFamily="34" charset="-127"/>
                 <a:ea typeface="에스코어 드림 3 Light" panose="020B0303030302020204" pitchFamily="34" charset="-127"/>
               </a:rPr>
               <a:t>항상 길이가 </a:t>
             </a:r>
             <a:r>
-              <a:rPr lang="en-US" altLang="ko-KR" dirty="0" smtClean="0">
+              <a:rPr lang="en-US" altLang="ko-KR" dirty="0">
                 <a:latin typeface="에스코어 드림 3 Light" panose="020B0303030302020204" pitchFamily="34" charset="-127"/>
                 <a:ea typeface="에스코어 드림 3 Light" panose="020B0303030302020204" pitchFamily="34" charset="-127"/>
               </a:rPr>
@@ -4265,34 +4256,34 @@
           </a:p>
           <a:p>
             <a:r>
-              <a:rPr lang="en-US" altLang="ko-KR" dirty="0" smtClean="0">
+              <a:rPr lang="en-US" altLang="ko-KR" dirty="0">
                 <a:latin typeface="에스코어 드림 3 Light" panose="020B0303030302020204" pitchFamily="34" charset="-127"/>
                 <a:ea typeface="에스코어 드림 3 Light" panose="020B0303030302020204" pitchFamily="34" charset="-127"/>
               </a:rPr>
               <a:t>X* X + Y * Y = </a:t>
             </a:r>
             <a:r>
-              <a:rPr lang="ko-KR" altLang="en-US" dirty="0" smtClean="0">
+              <a:rPr lang="ko-KR" altLang="en-US" dirty="0">
                 <a:latin typeface="에스코어 드림 3 Light" panose="020B0303030302020204" pitchFamily="34" charset="-127"/>
                 <a:ea typeface="에스코어 드림 3 Light" panose="020B0303030302020204" pitchFamily="34" charset="-127"/>
               </a:rPr>
               <a:t>빗변 </a:t>
             </a:r>
             <a:r>
-              <a:rPr lang="en-US" altLang="ko-KR" dirty="0" smtClean="0">
+              <a:rPr lang="en-US" altLang="ko-KR" dirty="0">
                 <a:latin typeface="에스코어 드림 3 Light" panose="020B0303030302020204" pitchFamily="34" charset="-127"/>
                 <a:ea typeface="에스코어 드림 3 Light" panose="020B0303030302020204" pitchFamily="34" charset="-127"/>
               </a:rPr>
               <a:t>* </a:t>
             </a:r>
             <a:r>
-              <a:rPr lang="ko-KR" altLang="en-US" dirty="0" smtClean="0">
+              <a:rPr lang="ko-KR" altLang="en-US" dirty="0">
                 <a:latin typeface="에스코어 드림 3 Light" panose="020B0303030302020204" pitchFamily="34" charset="-127"/>
                 <a:ea typeface="에스코어 드림 3 Light" panose="020B0303030302020204" pitchFamily="34" charset="-127"/>
               </a:rPr>
               <a:t>빗변</a:t>
             </a:r>
-            <a:endParaRPr lang="en-US" altLang="ko-KR" dirty="0" smtClean="0">
+            <a:endParaRPr lang="en-US" altLang="ko-KR" dirty="0">
               <a:latin typeface="에스코어 드림 3 Light" panose="020B0303030302020204" pitchFamily="34" charset="-127"/>
               <a:ea typeface="에스코어 드림 3 Light" panose="020B0303030302020204" pitchFamily="34" charset="-127"/>
             </a:endParaRPr>
@@ -4322,21 +4313,21 @@
           <a:lstStyle/>
           <a:p>
             <a:r>
-              <a:rPr lang="en-US" altLang="ko-KR" dirty="0" smtClean="0">
+              <a:rPr lang="en-US" altLang="ko-KR" dirty="0">
                 <a:latin typeface="에스코어 드림 3 Light" panose="020B0303030302020204" pitchFamily="34" charset="-127"/>
                 <a:ea typeface="에스코어 드림 3 Light" panose="020B0303030302020204" pitchFamily="34" charset="-127"/>
               </a:rPr>
               <a:t>(</a:t>
             </a:r>
             <a:r>
-              <a:rPr lang="ko-KR" altLang="en-US" dirty="0" smtClean="0">
+              <a:rPr lang="ko-KR" altLang="en-US" dirty="0">
                 <a:latin typeface="에스코어 드림 3 Light" panose="020B0303030302020204" pitchFamily="34" charset="-127"/>
                 <a:ea typeface="에스코어 드림 3 Light" panose="020B0303030302020204" pitchFamily="34" charset="-127"/>
               </a:rPr>
               <a:t>위치 벡터</a:t>
             </a:r>
             <a:r>
-              <a:rPr lang="en-US" altLang="ko-KR" dirty="0" smtClean="0">
+              <a:rPr lang="en-US" altLang="ko-KR" dirty="0">
                 <a:latin typeface="에스코어 드림 3 Light" panose="020B0303030302020204" pitchFamily="34" charset="-127"/>
                 <a:ea typeface="에스코어 드림 3 Light" panose="020B0303030302020204" pitchFamily="34" charset="-127"/>
               </a:rPr>
@@ -4408,7 +4399,7 @@
           <a:lstStyle/>
           <a:p>
             <a:r>
-              <a:rPr lang="en-US" altLang="ko-KR" dirty="0" smtClean="0">
+              <a:rPr lang="en-US" altLang="ko-KR" dirty="0">
                 <a:latin typeface="에스코어 드림 3 Light" panose="020B0303030302020204" pitchFamily="34" charset="-127"/>
                 <a:ea typeface="에스코어 드림 3 Light" panose="020B0303030302020204" pitchFamily="34" charset="-127"/>
               </a:rPr>
@@ -4473,31 +4464,31 @@
           <a:lstStyle/>
           <a:p>
             <a:r>
-              <a:rPr lang="en-US" altLang="ko-KR" dirty="0" smtClean="0"/>
+              <a:rPr lang="en-US" altLang="ko-KR" dirty="0"/>
               <a:t>_</a:t>
             </a:r>
             <a:r>
-              <a:rPr lang="en-US" altLang="ko-KR" dirty="0" err="1" smtClean="0"/>
+              <a:rPr lang="en-US" altLang="ko-KR" dirty="0" err="1"/>
               <a:t>playerPosition</a:t>
             </a:r>
             <a:r>
-              <a:rPr lang="en-US" altLang="ko-KR" dirty="0" smtClean="0"/>
+              <a:rPr lang="en-US" altLang="ko-KR" dirty="0"/>
               <a:t> + _direction * 100px : 1</a:t>
             </a:r>
             <a:r>
-              <a:rPr lang="ko-KR" altLang="en-US" dirty="0" smtClean="0"/>
+              <a:rPr lang="ko-KR" altLang="en-US" dirty="0"/>
               <a:t>초</a:t>
             </a:r>
             <a:r>
-              <a:rPr lang="en-US" altLang="ko-KR" dirty="0" smtClean="0"/>
+              <a:rPr lang="en-US" altLang="ko-KR" dirty="0"/>
               <a:t> = ?? : Time-&gt;</a:t>
             </a:r>
             <a:r>
-              <a:rPr lang="en-US" altLang="ko-KR" dirty="0" err="1" smtClean="0"/>
+              <a:rPr lang="en-US" altLang="ko-KR" dirty="0" err="1"/>
               <a:t>GetDeltaTime</a:t>
             </a:r>
             <a:r>
-              <a:rPr lang="en-US" altLang="ko-KR" dirty="0" smtClean="0"/>
+              <a:rPr lang="en-US" altLang="ko-KR" dirty="0"/>
               <a:t>()</a:t>
             </a:r>
             <a:endParaRPr lang="ko-KR" altLang="en-US" dirty="0"/>
@@ -4747,32 +4738,27 @@
           <a:lstStyle/>
           <a:p>
             <a:r>
-              <a:rPr lang="en-US" altLang="ko-KR" dirty="0" smtClean="0"/>
+              <a:rPr lang="en-US" altLang="ko-KR" dirty="0"/>
               <a:t>Target – Player (</a:t>
             </a:r>
             <a:r>
-              <a:rPr lang="ko-KR" altLang="en-US" dirty="0" smtClean="0"/>
+              <a:rPr lang="ko-KR" altLang="en-US" dirty="0"/>
               <a:t>타겟 빼기 플레이어</a:t>
             </a:r>
             <a:r>
-              <a:rPr lang="en-US" altLang="ko-KR" dirty="0" smtClean="0"/>
+              <a:rPr lang="en-US" altLang="ko-KR" dirty="0"/>
               <a:t>)</a:t>
             </a:r>
           </a:p>
           <a:p>
             <a:r>
               <a:rPr lang="en-US" altLang="ko-KR" dirty="0"/>
-              <a:t> </a:t>
-            </a:r>
-            <a:r>
-              <a:rPr lang="en-US" altLang="ko-KR" dirty="0" smtClean="0"/>
-              <a:t>=&gt; </a:t>
-            </a:r>
-            <a:r>
-              <a:rPr lang="ko-KR" altLang="en-US" dirty="0" smtClean="0"/>
+              <a:t> =&gt; </a:t>
+            </a:r>
+            <a:r>
+              <a:rPr lang="ko-KR" altLang="en-US" dirty="0"/>
               <a:t>타겟을 바라보는 플레이어의 방향 벡터</a:t>
             </a:r>
-            <a:endParaRPr lang="ko-KR" altLang="en-US" dirty="0"/>
           </a:p>
         </p:txBody>
       </p:sp>
@@ -4937,30 +4923,30 @@
           <a:lstStyle/>
           <a:p>
             <a:r>
-              <a:rPr lang="ko-KR" altLang="en-US" dirty="0" smtClean="0">
+              <a:rPr lang="ko-KR" altLang="en-US" dirty="0">
                 <a:latin typeface="에스코어 드림 3 Light" panose="020B0303030302020204" pitchFamily="34" charset="-127"/>
                 <a:ea typeface="에스코어 드림 3 Light" panose="020B0303030302020204" pitchFamily="34" charset="-127"/>
               </a:rPr>
               <a:t>숙제</a:t>
             </a:r>
-            <a:endParaRPr lang="en-US" altLang="ko-KR" dirty="0" smtClean="0">
-              <a:latin typeface="에스코어 드림 3 Light" panose="020B0303030302020204" pitchFamily="34" charset="-127"/>
-              <a:ea typeface="에스코어 드림 3 Light" panose="020B0303030302020204" pitchFamily="34" charset="-127"/>
-            </a:endParaRPr>
-          </a:p>
-          <a:p>
             <a:endParaRPr lang="en-US" altLang="ko-KR" dirty="0">
               <a:latin typeface="에스코어 드림 3 Light" panose="020B0303030302020204" pitchFamily="34" charset="-127"/>
               <a:ea typeface="에스코어 드림 3 Light" panose="020B0303030302020204" pitchFamily="34" charset="-127"/>
             </a:endParaRPr>
           </a:p>
           <a:p>
-            <a:endParaRPr lang="en-US" altLang="ko-KR" dirty="0" smtClean="0">
+            <a:endParaRPr lang="en-US" altLang="ko-KR" dirty="0">
               <a:latin typeface="에스코어 드림 3 Light" panose="020B0303030302020204" pitchFamily="34" charset="-127"/>
               <a:ea typeface="에스코어 드림 3 Light" panose="020B0303030302020204" pitchFamily="34" charset="-127"/>
             </a:endParaRPr>
           </a:p>
           <a:p>
+            <a:endParaRPr lang="en-US" altLang="ko-KR" dirty="0">
+              <a:latin typeface="에스코어 드림 3 Light" panose="020B0303030302020204" pitchFamily="34" charset="-127"/>
+              <a:ea typeface="에스코어 드림 3 Light" panose="020B0303030302020204" pitchFamily="34" charset="-127"/>
+            </a:endParaRPr>
+          </a:p>
+          <a:p>
             <a:r>
               <a:rPr lang="en-US" altLang="ko-KR" dirty="0">
                 <a:latin typeface="에스코어 드림 3 Light" panose="020B0303030302020204" pitchFamily="34" charset="-127"/>
@@ -4969,20 +4955,20 @@
               <a:t> </a:t>
             </a:r>
             <a:r>
-              <a:rPr lang="ko-KR" altLang="en-US" dirty="0" err="1" smtClean="0">
+              <a:rPr lang="ko-KR" altLang="en-US" dirty="0" err="1">
                 <a:latin typeface="에스코어 드림 3 Light" panose="020B0303030302020204" pitchFamily="34" charset="-127"/>
                 <a:ea typeface="에스코어 드림 3 Light" panose="020B0303030302020204" pitchFamily="34" charset="-127"/>
               </a:rPr>
               <a:t>핀볼</a:t>
             </a:r>
             <a:r>
-              <a:rPr lang="ko-KR" altLang="en-US" dirty="0" smtClean="0">
+              <a:rPr lang="ko-KR" altLang="en-US" dirty="0">
                 <a:latin typeface="에스코어 드림 3 Light" panose="020B0303030302020204" pitchFamily="34" charset="-127"/>
                 <a:ea typeface="에스코어 드림 3 Light" panose="020B0303030302020204" pitchFamily="34" charset="-127"/>
               </a:rPr>
               <a:t> 만들기</a:t>
             </a:r>
-            <a:endParaRPr lang="en-US" altLang="ko-KR" dirty="0" smtClean="0">
+            <a:endParaRPr lang="en-US" altLang="ko-KR" dirty="0">
               <a:latin typeface="에스코어 드림 3 Light" panose="020B0303030302020204" pitchFamily="34" charset="-127"/>
               <a:ea typeface="에스코어 드림 3 Light" panose="020B0303030302020204" pitchFamily="34" charset="-127"/>
             </a:endParaRPr>
@@ -5173,7 +5159,7 @@
           <a:lstStyle/>
           <a:p>
             <a:r>
-              <a:rPr lang="en-US" altLang="ko-KR" dirty="0" smtClean="0">
+              <a:rPr lang="en-US" altLang="ko-KR" dirty="0">
                 <a:latin typeface="에스코어 드림 3 Light" panose="020B0303030302020204" pitchFamily="34" charset="-127"/>
                 <a:ea typeface="에스코어 드림 3 Light" panose="020B0303030302020204" pitchFamily="34" charset="-127"/>
               </a:rPr>
@@ -5205,7 +5191,7 @@
           <a:lstStyle/>
           <a:p>
             <a:r>
-              <a:rPr lang="en-US" altLang="ko-KR" dirty="0" smtClean="0">
+              <a:rPr lang="en-US" altLang="ko-KR" dirty="0">
                 <a:latin typeface="에스코어 드림 3 Light" panose="020B0303030302020204" pitchFamily="34" charset="-127"/>
                 <a:ea typeface="에스코어 드림 3 Light" panose="020B0303030302020204" pitchFamily="34" charset="-127"/>
               </a:rPr>
@@ -5238,7 +5224,7 @@
           <a:p>
             <a:pPr algn="ctr"/>
             <a:r>
-              <a:rPr lang="en-US" altLang="ko-KR" dirty="0" smtClean="0">
+              <a:rPr lang="en-US" altLang="ko-KR" dirty="0">
                 <a:latin typeface="에스코어 드림 3 Light" panose="020B0303030302020204" pitchFamily="34" charset="-127"/>
                 <a:ea typeface="에스코어 드림 3 Light" panose="020B0303030302020204" pitchFamily="34" charset="-127"/>
               </a:rPr>
@@ -5255,41 +5241,41 @@
           <a:p>
             <a:pPr algn="ctr"/>
             <a:r>
-              <a:rPr lang="ko-KR" altLang="en-US" dirty="0" smtClean="0">
+              <a:rPr lang="ko-KR" altLang="en-US" dirty="0">
                 <a:latin typeface="에스코어 드림 3 Light" panose="020B0303030302020204" pitchFamily="34" charset="-127"/>
                 <a:ea typeface="에스코어 드림 3 Light" panose="020B0303030302020204" pitchFamily="34" charset="-127"/>
               </a:rPr>
               <a:t>먼저 </a:t>
             </a:r>
             <a:r>
-              <a:rPr lang="en-US" altLang="ko-KR" dirty="0" smtClean="0">
+              <a:rPr lang="en-US" altLang="ko-KR" dirty="0">
                 <a:latin typeface="에스코어 드림 3 Light" panose="020B0303030302020204" pitchFamily="34" charset="-127"/>
                 <a:ea typeface="에스코어 드림 3 Light" panose="020B0303030302020204" pitchFamily="34" charset="-127"/>
               </a:rPr>
               <a:t>10</a:t>
             </a:r>
             <a:r>
-              <a:rPr lang="ko-KR" altLang="en-US" dirty="0" smtClean="0">
+              <a:rPr lang="ko-KR" altLang="en-US" dirty="0">
                 <a:latin typeface="에스코어 드림 3 Light" panose="020B0303030302020204" pitchFamily="34" charset="-127"/>
                 <a:ea typeface="에스코어 드림 3 Light" panose="020B0303030302020204" pitchFamily="34" charset="-127"/>
               </a:rPr>
               <a:t>점 </a:t>
             </a:r>
             <a:r>
-              <a:rPr lang="ko-KR" altLang="en-US" dirty="0" err="1" smtClean="0">
+              <a:rPr lang="ko-KR" altLang="en-US" dirty="0" err="1">
                 <a:latin typeface="에스코어 드림 3 Light" panose="020B0303030302020204" pitchFamily="34" charset="-127"/>
                 <a:ea typeface="에스코어 드림 3 Light" panose="020B0303030302020204" pitchFamily="34" charset="-127"/>
               </a:rPr>
               <a:t>채운쪽이</a:t>
             </a:r>
             <a:r>
-              <a:rPr lang="ko-KR" altLang="en-US" dirty="0" smtClean="0">
+              <a:rPr lang="ko-KR" altLang="en-US" dirty="0">
                 <a:latin typeface="에스코어 드림 3 Light" panose="020B0303030302020204" pitchFamily="34" charset="-127"/>
                 <a:ea typeface="에스코어 드림 3 Light" panose="020B0303030302020204" pitchFamily="34" charset="-127"/>
               </a:rPr>
               <a:t> 승리</a:t>
             </a:r>
-            <a:endParaRPr lang="en-US" altLang="ko-KR" dirty="0" smtClean="0">
+            <a:endParaRPr lang="en-US" altLang="ko-KR" dirty="0">
               <a:latin typeface="에스코어 드림 3 Light" panose="020B0303030302020204" pitchFamily="34" charset="-127"/>
               <a:ea typeface="에스코어 드림 3 Light" panose="020B0303030302020204" pitchFamily="34" charset="-127"/>
             </a:endParaRPr>
